--- a/day6/Facebook Splash.pptx
+++ b/day6/Facebook Splash.pptx
@@ -5,7 +5,7 @@
     <p:sldMasterId id="2147483648" r:id="rId1"/>
   </p:sldMasterIdLst>
   <p:notesMasterIdLst>
-    <p:notesMasterId r:id="rId37"/>
+    <p:notesMasterId r:id="rId43"/>
   </p:notesMasterIdLst>
   <p:sldIdLst>
     <p:sldId id="267" r:id="rId2"/>
@@ -31,34 +31,40 @@
     <p:sldId id="351" r:id="rId22"/>
     <p:sldId id="363" r:id="rId23"/>
     <p:sldId id="330" r:id="rId24"/>
-    <p:sldId id="332" r:id="rId25"/>
-    <p:sldId id="338" r:id="rId26"/>
-    <p:sldId id="341" r:id="rId27"/>
-    <p:sldId id="342" r:id="rId28"/>
-    <p:sldId id="343" r:id="rId29"/>
-    <p:sldId id="345" r:id="rId30"/>
-    <p:sldId id="346" r:id="rId31"/>
-    <p:sldId id="370" r:id="rId32"/>
-    <p:sldId id="371" r:id="rId33"/>
-    <p:sldId id="373" r:id="rId34"/>
-    <p:sldId id="374" r:id="rId35"/>
-    <p:sldId id="291" r:id="rId36"/>
+    <p:sldId id="375" r:id="rId25"/>
+    <p:sldId id="332" r:id="rId26"/>
+    <p:sldId id="338" r:id="rId27"/>
+    <p:sldId id="341" r:id="rId28"/>
+    <p:sldId id="342" r:id="rId29"/>
+    <p:sldId id="343" r:id="rId30"/>
+    <p:sldId id="345" r:id="rId31"/>
+    <p:sldId id="346" r:id="rId32"/>
+    <p:sldId id="370" r:id="rId33"/>
+    <p:sldId id="371" r:id="rId34"/>
+    <p:sldId id="373" r:id="rId35"/>
+    <p:sldId id="374" r:id="rId36"/>
+    <p:sldId id="376" r:id="rId37"/>
+    <p:sldId id="377" r:id="rId38"/>
+    <p:sldId id="378" r:id="rId39"/>
+    <p:sldId id="379" r:id="rId40"/>
+    <p:sldId id="380" r:id="rId41"/>
+    <p:sldId id="291" r:id="rId42"/>
   </p:sldIdLst>
   <p:sldSz cx="9144000" cy="6858000" type="screen4x3"/>
   <p:notesSz cx="6858000" cy="9144000"/>
   <p:embeddedFontLst>
     <p:embeddedFont>
       <p:font typeface="맑은 고딕" pitchFamily="50" charset="-127"/>
-      <p:regular r:id="rId38"/>
-      <p:bold r:id="rId39"/>
+      <p:regular r:id="rId44"/>
+      <p:bold r:id="rId45"/>
     </p:embeddedFont>
     <p:embeddedFont>
       <p:font typeface="a옛날목욕탕L" pitchFamily="18" charset="-127"/>
-      <p:regular r:id="rId40"/>
+      <p:regular r:id="rId46"/>
     </p:embeddedFont>
     <p:embeddedFont>
       <p:font typeface="나눔손글씨 붓" pitchFamily="66" charset="-127"/>
-      <p:regular r:id="rId41"/>
+      <p:regular r:id="rId47"/>
     </p:embeddedFont>
   </p:embeddedFontLst>
   <p:defaultTextStyle>
@@ -242,7 +248,7 @@
             <a:fld id="{C1AF98C8-E5B6-440B-A57D-3DA365509CB8}" type="datetimeFigureOut">
               <a:rPr lang="ko-KR" altLang="en-US" smtClean="0"/>
               <a:pPr/>
-              <a:t>2016-08-16</a:t>
+              <a:t>2016-08-18</a:t>
             </a:fld>
             <a:endParaRPr lang="ko-KR" altLang="en-US"/>
           </a:p>
@@ -690,7 +696,7 @@
             <a:fld id="{1664E5C3-0C5E-42B5-ADE6-8CDC9F700348}" type="datetimeFigureOut">
               <a:rPr lang="ko-KR" altLang="en-US" smtClean="0"/>
               <a:pPr/>
-              <a:t>2016-08-16</a:t>
+              <a:t>2016-08-18</a:t>
             </a:fld>
             <a:endParaRPr lang="ko-KR" altLang="en-US"/>
           </a:p>
@@ -857,7 +863,7 @@
             <a:fld id="{1664E5C3-0C5E-42B5-ADE6-8CDC9F700348}" type="datetimeFigureOut">
               <a:rPr lang="ko-KR" altLang="en-US" smtClean="0"/>
               <a:pPr/>
-              <a:t>2016-08-16</a:t>
+              <a:t>2016-08-18</a:t>
             </a:fld>
             <a:endParaRPr lang="ko-KR" altLang="en-US"/>
           </a:p>
@@ -1034,7 +1040,7 @@
             <a:fld id="{1664E5C3-0C5E-42B5-ADE6-8CDC9F700348}" type="datetimeFigureOut">
               <a:rPr lang="ko-KR" altLang="en-US" smtClean="0"/>
               <a:pPr/>
-              <a:t>2016-08-16</a:t>
+              <a:t>2016-08-18</a:t>
             </a:fld>
             <a:endParaRPr lang="ko-KR" altLang="en-US"/>
           </a:p>
@@ -1201,7 +1207,7 @@
             <a:fld id="{1664E5C3-0C5E-42B5-ADE6-8CDC9F700348}" type="datetimeFigureOut">
               <a:rPr lang="ko-KR" altLang="en-US" smtClean="0"/>
               <a:pPr/>
-              <a:t>2016-08-16</a:t>
+              <a:t>2016-08-18</a:t>
             </a:fld>
             <a:endParaRPr lang="ko-KR" altLang="en-US"/>
           </a:p>
@@ -1444,7 +1450,7 @@
             <a:fld id="{1664E5C3-0C5E-42B5-ADE6-8CDC9F700348}" type="datetimeFigureOut">
               <a:rPr lang="ko-KR" altLang="en-US" smtClean="0"/>
               <a:pPr/>
-              <a:t>2016-08-16</a:t>
+              <a:t>2016-08-18</a:t>
             </a:fld>
             <a:endParaRPr lang="ko-KR" altLang="en-US"/>
           </a:p>
@@ -1729,7 +1735,7 @@
             <a:fld id="{1664E5C3-0C5E-42B5-ADE6-8CDC9F700348}" type="datetimeFigureOut">
               <a:rPr lang="ko-KR" altLang="en-US" smtClean="0"/>
               <a:pPr/>
-              <a:t>2016-08-16</a:t>
+              <a:t>2016-08-18</a:t>
             </a:fld>
             <a:endParaRPr lang="ko-KR" altLang="en-US"/>
           </a:p>
@@ -2148,7 +2154,7 @@
             <a:fld id="{1664E5C3-0C5E-42B5-ADE6-8CDC9F700348}" type="datetimeFigureOut">
               <a:rPr lang="ko-KR" altLang="en-US" smtClean="0"/>
               <a:pPr/>
-              <a:t>2016-08-16</a:t>
+              <a:t>2016-08-18</a:t>
             </a:fld>
             <a:endParaRPr lang="ko-KR" altLang="en-US"/>
           </a:p>
@@ -2263,7 +2269,7 @@
             <a:fld id="{1664E5C3-0C5E-42B5-ADE6-8CDC9F700348}" type="datetimeFigureOut">
               <a:rPr lang="ko-KR" altLang="en-US" smtClean="0"/>
               <a:pPr/>
-              <a:t>2016-08-16</a:t>
+              <a:t>2016-08-18</a:t>
             </a:fld>
             <a:endParaRPr lang="ko-KR" altLang="en-US"/>
           </a:p>
@@ -2355,7 +2361,7 @@
             <a:fld id="{1664E5C3-0C5E-42B5-ADE6-8CDC9F700348}" type="datetimeFigureOut">
               <a:rPr lang="ko-KR" altLang="en-US" smtClean="0"/>
               <a:pPr/>
-              <a:t>2016-08-16</a:t>
+              <a:t>2016-08-18</a:t>
             </a:fld>
             <a:endParaRPr lang="ko-KR" altLang="en-US"/>
           </a:p>
@@ -2629,7 +2635,7 @@
             <a:fld id="{1664E5C3-0C5E-42B5-ADE6-8CDC9F700348}" type="datetimeFigureOut">
               <a:rPr lang="ko-KR" altLang="en-US" smtClean="0"/>
               <a:pPr/>
-              <a:t>2016-08-16</a:t>
+              <a:t>2016-08-18</a:t>
             </a:fld>
             <a:endParaRPr lang="ko-KR" altLang="en-US"/>
           </a:p>
@@ -2879,7 +2885,7 @@
             <a:fld id="{1664E5C3-0C5E-42B5-ADE6-8CDC9F700348}" type="datetimeFigureOut">
               <a:rPr lang="ko-KR" altLang="en-US" smtClean="0"/>
               <a:pPr/>
-              <a:t>2016-08-16</a:t>
+              <a:t>2016-08-18</a:t>
             </a:fld>
             <a:endParaRPr lang="ko-KR" altLang="en-US"/>
           </a:p>
@@ -3089,7 +3095,7 @@
             <a:fld id="{1664E5C3-0C5E-42B5-ADE6-8CDC9F700348}" type="datetimeFigureOut">
               <a:rPr lang="ko-KR" altLang="en-US" smtClean="0"/>
               <a:pPr/>
-              <a:t>2016-08-16</a:t>
+              <a:t>2016-08-18</a:t>
             </a:fld>
             <a:endParaRPr lang="ko-KR" altLang="en-US"/>
           </a:p>
@@ -4138,6 +4144,11 @@
               </a:rPr>
               <a:t>A Little about Thread</a:t>
             </a:r>
+            <a:endParaRPr lang="en-US" altLang="ko-KR" sz="3600" dirty="0" smtClean="0">
+              <a:latin typeface="a옛날목욕탕L" pitchFamily="18" charset="-127"/>
+              <a:ea typeface="a옛날목욕탕L" pitchFamily="18" charset="-127"/>
+              <a:cs typeface="Courier New" pitchFamily="49" charset="0"/>
+            </a:endParaRPr>
           </a:p>
         </p:txBody>
       </p:sp>
@@ -4684,6 +4695,11 @@
               </a:rPr>
               <a:t>A Little about Thread</a:t>
             </a:r>
+            <a:endParaRPr lang="en-US" altLang="ko-KR" sz="3600" dirty="0" smtClean="0">
+              <a:latin typeface="a옛날목욕탕L" pitchFamily="18" charset="-127"/>
+              <a:ea typeface="a옛날목욕탕L" pitchFamily="18" charset="-127"/>
+              <a:cs typeface="Courier New" pitchFamily="49" charset="0"/>
+            </a:endParaRPr>
           </a:p>
         </p:txBody>
       </p:sp>
@@ -5145,8 +5161,21 @@
                 <a:ea typeface="a옛날목욕탕L" pitchFamily="18" charset="-127"/>
                 <a:cs typeface="Courier New" pitchFamily="49" charset="0"/>
               </a:rPr>
-              <a:t>Can Control UI</a:t>
-            </a:r>
+              <a:t>Can Control </a:t>
+            </a:r>
+            <a:r>
+              <a:rPr lang="en-US" altLang="ko-KR" sz="3600" dirty="0" smtClean="0">
+                <a:latin typeface="a옛날목욕탕L" pitchFamily="18" charset="-127"/>
+                <a:ea typeface="a옛날목욕탕L" pitchFamily="18" charset="-127"/>
+                <a:cs typeface="Courier New" pitchFamily="49" charset="0"/>
+              </a:rPr>
+              <a:t>UI.</a:t>
+            </a:r>
+            <a:endParaRPr lang="en-US" altLang="ko-KR" sz="3600" dirty="0" smtClean="0">
+              <a:latin typeface="a옛날목욕탕L" pitchFamily="18" charset="-127"/>
+              <a:ea typeface="a옛날목욕탕L" pitchFamily="18" charset="-127"/>
+              <a:cs typeface="Courier New" pitchFamily="49" charset="0"/>
+            </a:endParaRPr>
           </a:p>
         </p:txBody>
       </p:sp>
@@ -5183,8 +5212,21 @@
                 <a:ea typeface="a옛날목욕탕L" pitchFamily="18" charset="-127"/>
                 <a:cs typeface="Courier New" pitchFamily="49" charset="0"/>
               </a:rPr>
-              <a:t>Made by us</a:t>
-            </a:r>
+              <a:t>Made by </a:t>
+            </a:r>
+            <a:r>
+              <a:rPr lang="en-US" altLang="ko-KR" sz="3600" dirty="0" smtClean="0">
+                <a:latin typeface="a옛날목욕탕L" pitchFamily="18" charset="-127"/>
+                <a:ea typeface="a옛날목욕탕L" pitchFamily="18" charset="-127"/>
+                <a:cs typeface="Courier New" pitchFamily="49" charset="0"/>
+              </a:rPr>
+              <a:t>us.</a:t>
+            </a:r>
+            <a:endParaRPr lang="en-US" altLang="ko-KR" sz="3600" dirty="0" smtClean="0">
+              <a:latin typeface="a옛날목욕탕L" pitchFamily="18" charset="-127"/>
+              <a:ea typeface="a옛날목욕탕L" pitchFamily="18" charset="-127"/>
+              <a:cs typeface="Courier New" pitchFamily="49" charset="0"/>
+            </a:endParaRPr>
           </a:p>
           <a:p>
             <a:pPr algn="ctr"/>
@@ -5194,11 +5236,86 @@
                 <a:ea typeface="a옛날목욕탕L" pitchFamily="18" charset="-127"/>
                 <a:cs typeface="Courier New" pitchFamily="49" charset="0"/>
               </a:rPr>
-              <a:t>Cannot Control UI</a:t>
-            </a:r>
+              <a:t>Cannot Control </a:t>
+            </a:r>
+            <a:r>
+              <a:rPr lang="en-US" altLang="ko-KR" sz="3200" dirty="0" smtClean="0">
+                <a:latin typeface="a옛날목욕탕L" pitchFamily="18" charset="-127"/>
+                <a:ea typeface="a옛날목욕탕L" pitchFamily="18" charset="-127"/>
+                <a:cs typeface="Courier New" pitchFamily="49" charset="0"/>
+              </a:rPr>
+              <a:t>UI.</a:t>
+            </a:r>
+            <a:endParaRPr lang="en-US" altLang="ko-KR" sz="3200" dirty="0" smtClean="0">
+              <a:latin typeface="a옛날목욕탕L" pitchFamily="18" charset="-127"/>
+              <a:ea typeface="a옛날목욕탕L" pitchFamily="18" charset="-127"/>
+              <a:cs typeface="Courier New" pitchFamily="49" charset="0"/>
+            </a:endParaRPr>
           </a:p>
         </p:txBody>
       </p:sp>
+      <p:cxnSp>
+        <p:nvCxnSpPr>
+          <p:cNvPr id="17" name="직선 연결선 16"/>
+          <p:cNvCxnSpPr/>
+          <p:nvPr/>
+        </p:nvCxnSpPr>
+        <p:spPr>
+          <a:xfrm>
+            <a:off x="395536" y="2420888"/>
+            <a:ext cx="8280920" cy="0"/>
+          </a:xfrm>
+          <a:prstGeom prst="line">
+            <a:avLst/>
+          </a:prstGeom>
+          <a:ln w="28575"/>
+        </p:spPr>
+        <p:style>
+          <a:lnRef idx="1">
+            <a:schemeClr val="accent1"/>
+          </a:lnRef>
+          <a:fillRef idx="0">
+            <a:schemeClr val="accent1"/>
+          </a:fillRef>
+          <a:effectRef idx="0">
+            <a:schemeClr val="accent1"/>
+          </a:effectRef>
+          <a:fontRef idx="minor">
+            <a:schemeClr val="tx1"/>
+          </a:fontRef>
+        </p:style>
+      </p:cxnSp>
+      <p:cxnSp>
+        <p:nvCxnSpPr>
+          <p:cNvPr id="19" name="직선 연결선 18"/>
+          <p:cNvCxnSpPr/>
+          <p:nvPr/>
+        </p:nvCxnSpPr>
+        <p:spPr>
+          <a:xfrm flipV="1">
+            <a:off x="4572000" y="2420888"/>
+            <a:ext cx="0" cy="2088232"/>
+          </a:xfrm>
+          <a:prstGeom prst="line">
+            <a:avLst/>
+          </a:prstGeom>
+          <a:ln w="28575"/>
+        </p:spPr>
+        <p:style>
+          <a:lnRef idx="1">
+            <a:schemeClr val="accent1"/>
+          </a:lnRef>
+          <a:fillRef idx="0">
+            <a:schemeClr val="accent1"/>
+          </a:fillRef>
+          <a:effectRef idx="0">
+            <a:schemeClr val="accent1"/>
+          </a:effectRef>
+          <a:fontRef idx="minor">
+            <a:schemeClr val="tx1"/>
+          </a:fontRef>
+        </p:style>
+      </p:cxnSp>
     </p:spTree>
   </p:cSld>
   <p:clrMapOvr>
@@ -7170,11 +7287,6 @@
               </a:rPr>
               <a:t>)</a:t>
             </a:r>
-            <a:endParaRPr lang="en-US" altLang="ko-KR" sz="3600" dirty="0" smtClean="0">
-              <a:latin typeface="Courier New" pitchFamily="49" charset="0"/>
-              <a:ea typeface="a옛날목욕탕L" pitchFamily="18" charset="-127"/>
-              <a:cs typeface="Courier New" pitchFamily="49" charset="0"/>
-            </a:endParaRPr>
           </a:p>
         </p:txBody>
       </p:sp>
@@ -8646,7 +8758,7 @@
                 <a:ea typeface="a옛날목욕탕L" pitchFamily="18" charset="-127"/>
                 <a:cs typeface="Courier New" pitchFamily="49" charset="0"/>
               </a:rPr>
-              <a:t>Goal</a:t>
+              <a:t>Goal 1</a:t>
             </a:r>
             <a:endParaRPr lang="ko-KR" altLang="en-US" sz="4400" dirty="0"/>
           </a:p>
@@ -9988,6 +10100,282 @@
       </p:grpSpPr>
       <p:pic>
         <p:nvPicPr>
+          <p:cNvPr id="25601" name="Picture 1"/>
+          <p:cNvPicPr>
+            <a:picLocks noChangeAspect="1" noChangeArrowheads="1"/>
+          </p:cNvPicPr>
+          <p:nvPr/>
+        </p:nvPicPr>
+        <p:blipFill>
+          <a:blip r:embed="rId2" cstate="print"/>
+          <a:srcRect/>
+          <a:stretch>
+            <a:fillRect/>
+          </a:stretch>
+        </p:blipFill>
+        <p:spPr bwMode="auto">
+          <a:xfrm>
+            <a:off x="467544" y="0"/>
+            <a:ext cx="8208912" cy="6831578"/>
+          </a:xfrm>
+          <a:prstGeom prst="rect">
+            <a:avLst/>
+          </a:prstGeom>
+          <a:noFill/>
+          <a:ln w="9525">
+            <a:noFill/>
+            <a:miter lim="800000"/>
+            <a:headEnd/>
+            <a:tailEnd/>
+          </a:ln>
+        </p:spPr>
+      </p:pic>
+      <p:sp>
+        <p:nvSpPr>
+          <p:cNvPr id="3" name="직사각형 2"/>
+          <p:cNvSpPr/>
+          <p:nvPr/>
+        </p:nvSpPr>
+        <p:spPr>
+          <a:xfrm>
+            <a:off x="3995936" y="188640"/>
+            <a:ext cx="5040560" cy="936104"/>
+          </a:xfrm>
+          <a:prstGeom prst="rect">
+            <a:avLst/>
+          </a:prstGeom>
+          <a:noFill/>
+          <a:ln w="57150">
+            <a:noFill/>
+          </a:ln>
+        </p:spPr>
+        <p:style>
+          <a:lnRef idx="2">
+            <a:schemeClr val="accent1">
+              <a:shade val="50000"/>
+            </a:schemeClr>
+          </a:lnRef>
+          <a:fillRef idx="1">
+            <a:schemeClr val="accent1"/>
+          </a:fillRef>
+          <a:effectRef idx="0">
+            <a:schemeClr val="accent1"/>
+          </a:effectRef>
+          <a:fontRef idx="minor">
+            <a:schemeClr val="lt1"/>
+          </a:fontRef>
+        </p:style>
+        <p:txBody>
+          <a:bodyPr rtlCol="0" anchor="ctr"/>
+          <a:lstStyle/>
+          <a:p>
+            <a:pPr algn="ctr"/>
+            <a:r>
+              <a:rPr lang="en-US" altLang="ko-KR" sz="5400" dirty="0" smtClean="0">
+                <a:solidFill>
+                  <a:schemeClr val="tx1"/>
+                </a:solidFill>
+                <a:latin typeface="a옛날목욕탕L" pitchFamily="18" charset="-127"/>
+                <a:ea typeface="a옛날목욕탕L" pitchFamily="18" charset="-127"/>
+              </a:rPr>
+              <a:t>Whole Code</a:t>
+            </a:r>
+            <a:endParaRPr lang="ko-KR" altLang="en-US" sz="5400" dirty="0">
+              <a:solidFill>
+                <a:schemeClr val="tx1"/>
+              </a:solidFill>
+              <a:latin typeface="a옛날목욕탕L" pitchFamily="18" charset="-127"/>
+              <a:ea typeface="a옛날목욕탕L" pitchFamily="18" charset="-127"/>
+            </a:endParaRPr>
+          </a:p>
+        </p:txBody>
+      </p:sp>
+      <p:sp>
+        <p:nvSpPr>
+          <p:cNvPr id="4" name="직사각형 3"/>
+          <p:cNvSpPr/>
+          <p:nvPr/>
+        </p:nvSpPr>
+        <p:spPr>
+          <a:xfrm>
+            <a:off x="1187624" y="2852936"/>
+            <a:ext cx="6624736" cy="720080"/>
+          </a:xfrm>
+          <a:prstGeom prst="rect">
+            <a:avLst/>
+          </a:prstGeom>
+          <a:noFill/>
+          <a:ln>
+            <a:solidFill>
+              <a:srgbClr val="FF0000"/>
+            </a:solidFill>
+          </a:ln>
+        </p:spPr>
+        <p:style>
+          <a:lnRef idx="2">
+            <a:schemeClr val="accent1">
+              <a:shade val="50000"/>
+            </a:schemeClr>
+          </a:lnRef>
+          <a:fillRef idx="1">
+            <a:schemeClr val="accent1"/>
+          </a:fillRef>
+          <a:effectRef idx="0">
+            <a:schemeClr val="accent1"/>
+          </a:effectRef>
+          <a:fontRef idx="minor">
+            <a:schemeClr val="lt1"/>
+          </a:fontRef>
+        </p:style>
+        <p:txBody>
+          <a:bodyPr rtlCol="0" anchor="ctr"/>
+          <a:lstStyle/>
+          <a:p>
+            <a:pPr algn="ctr"/>
+            <a:endParaRPr lang="ko-KR" altLang="en-US"/>
+          </a:p>
+        </p:txBody>
+      </p:sp>
+      <p:sp>
+        <p:nvSpPr>
+          <p:cNvPr id="5" name="직사각형 4"/>
+          <p:cNvSpPr/>
+          <p:nvPr/>
+        </p:nvSpPr>
+        <p:spPr>
+          <a:xfrm>
+            <a:off x="0" y="3573016"/>
+            <a:ext cx="8964488" cy="1368152"/>
+          </a:xfrm>
+          <a:prstGeom prst="rect">
+            <a:avLst/>
+          </a:prstGeom>
+          <a:noFill/>
+          <a:ln w="57150">
+            <a:noFill/>
+          </a:ln>
+        </p:spPr>
+        <p:style>
+          <a:lnRef idx="2">
+            <a:schemeClr val="accent1">
+              <a:shade val="50000"/>
+            </a:schemeClr>
+          </a:lnRef>
+          <a:fillRef idx="1">
+            <a:schemeClr val="accent1"/>
+          </a:fillRef>
+          <a:effectRef idx="0">
+            <a:schemeClr val="accent1"/>
+          </a:effectRef>
+          <a:fontRef idx="minor">
+            <a:schemeClr val="lt1"/>
+          </a:fontRef>
+        </p:style>
+        <p:txBody>
+          <a:bodyPr rtlCol="0" anchor="ctr"/>
+          <a:lstStyle/>
+          <a:p>
+            <a:pPr algn="ctr"/>
+            <a:r>
+              <a:rPr lang="en-US" altLang="ko-KR" sz="3600" dirty="0" smtClean="0">
+                <a:solidFill>
+                  <a:schemeClr val="tx1"/>
+                </a:solidFill>
+                <a:latin typeface="a옛날목욕탕L" pitchFamily="18" charset="-127"/>
+                <a:ea typeface="a옛날목욕탕L" pitchFamily="18" charset="-127"/>
+              </a:rPr>
+              <a:t>We can remove this line if you use parent class as Activity </a:t>
+            </a:r>
+            <a:endParaRPr lang="ko-KR" altLang="en-US" sz="3600" dirty="0">
+              <a:solidFill>
+                <a:schemeClr val="tx1"/>
+              </a:solidFill>
+              <a:latin typeface="a옛날목욕탕L" pitchFamily="18" charset="-127"/>
+              <a:ea typeface="a옛날목욕탕L" pitchFamily="18" charset="-127"/>
+            </a:endParaRPr>
+          </a:p>
+        </p:txBody>
+      </p:sp>
+      <p:sp>
+        <p:nvSpPr>
+          <p:cNvPr id="6" name="직사각형 5"/>
+          <p:cNvSpPr/>
+          <p:nvPr/>
+        </p:nvSpPr>
+        <p:spPr>
+          <a:xfrm>
+            <a:off x="3923928" y="1052736"/>
+            <a:ext cx="2016224" cy="432048"/>
+          </a:xfrm>
+          <a:prstGeom prst="rect">
+            <a:avLst/>
+          </a:prstGeom>
+          <a:noFill/>
+          <a:ln>
+            <a:solidFill>
+              <a:srgbClr val="FF0000"/>
+            </a:solidFill>
+          </a:ln>
+        </p:spPr>
+        <p:style>
+          <a:lnRef idx="2">
+            <a:schemeClr val="accent1">
+              <a:shade val="50000"/>
+            </a:schemeClr>
+          </a:lnRef>
+          <a:fillRef idx="1">
+            <a:schemeClr val="accent1"/>
+          </a:fillRef>
+          <a:effectRef idx="0">
+            <a:schemeClr val="accent1"/>
+          </a:effectRef>
+          <a:fontRef idx="minor">
+            <a:schemeClr val="lt1"/>
+          </a:fontRef>
+        </p:style>
+        <p:txBody>
+          <a:bodyPr rtlCol="0" anchor="ctr"/>
+          <a:lstStyle/>
+          <a:p>
+            <a:pPr algn="ctr"/>
+            <a:endParaRPr lang="ko-KR" altLang="en-US"/>
+          </a:p>
+        </p:txBody>
+      </p:sp>
+    </p:spTree>
+  </p:cSld>
+  <p:clrMapOvr>
+    <a:masterClrMapping/>
+  </p:clrMapOvr>
+  <p:timing>
+    <p:tnLst>
+      <p:par>
+        <p:cTn id="1" dur="indefinite" restart="never" nodeType="tmRoot"/>
+      </p:par>
+    </p:tnLst>
+  </p:timing>
+</p:sld>
+</file>
+
+<file path=ppt/slides/slide25.xml><?xml version="1.0" encoding="utf-8"?>
+<p:sld xmlns:a="http://schemas.openxmlformats.org/drawingml/2006/main" xmlns:r="http://schemas.openxmlformats.org/officeDocument/2006/relationships" xmlns:p="http://schemas.openxmlformats.org/presentationml/2006/main">
+  <p:cSld>
+    <p:spTree>
+      <p:nvGrpSpPr>
+        <p:cNvPr id="1" name=""/>
+        <p:cNvGrpSpPr/>
+        <p:nvPr/>
+      </p:nvGrpSpPr>
+      <p:grpSpPr>
+        <a:xfrm>
+          <a:off x="0" y="0"/>
+          <a:ext cx="0" cy="0"/>
+          <a:chOff x="0" y="0"/>
+          <a:chExt cx="0" cy="0"/>
+        </a:xfrm>
+      </p:grpSpPr>
+      <p:pic>
+        <p:nvPicPr>
           <p:cNvPr id="8" name="Picture 3"/>
           <p:cNvPicPr>
             <a:picLocks noChangeAspect="1" noChangeArrowheads="1"/>
@@ -10220,7 +10608,7 @@
 </p:sld>
 </file>
 
-<file path=ppt/slides/slide25.xml><?xml version="1.0" encoding="utf-8"?>
+<file path=ppt/slides/slide26.xml><?xml version="1.0" encoding="utf-8"?>
 <p:sld xmlns:a="http://schemas.openxmlformats.org/drawingml/2006/main" xmlns:r="http://schemas.openxmlformats.org/officeDocument/2006/relationships" xmlns:p="http://schemas.openxmlformats.org/presentationml/2006/main">
   <p:cSld>
     <p:spTree>
@@ -10913,7 +11301,7 @@
 </p:sld>
 </file>
 
-<file path=ppt/slides/slide26.xml><?xml version="1.0" encoding="utf-8"?>
+<file path=ppt/slides/slide27.xml><?xml version="1.0" encoding="utf-8"?>
 <p:sld xmlns:a="http://schemas.openxmlformats.org/drawingml/2006/main" xmlns:r="http://schemas.openxmlformats.org/officeDocument/2006/relationships" xmlns:p="http://schemas.openxmlformats.org/presentationml/2006/main">
   <p:cSld>
     <p:spTree>
@@ -11347,411 +11735,6 @@
               <a:latin typeface="a옛날목욕탕L" pitchFamily="18" charset="-127"/>
               <a:ea typeface="a옛날목욕탕L" pitchFamily="18" charset="-127"/>
             </a:endParaRPr>
-          </a:p>
-        </p:txBody>
-      </p:sp>
-    </p:spTree>
-  </p:cSld>
-  <p:clrMapOvr>
-    <a:masterClrMapping/>
-  </p:clrMapOvr>
-  <p:timing>
-    <p:tnLst>
-      <p:par>
-        <p:cTn id="1" dur="indefinite" restart="never" nodeType="tmRoot"/>
-      </p:par>
-    </p:tnLst>
-  </p:timing>
-</p:sld>
-</file>
-
-<file path=ppt/slides/slide27.xml><?xml version="1.0" encoding="utf-8"?>
-<p:sld xmlns:a="http://schemas.openxmlformats.org/drawingml/2006/main" xmlns:r="http://schemas.openxmlformats.org/officeDocument/2006/relationships" xmlns:p="http://schemas.openxmlformats.org/presentationml/2006/main">
-  <p:cSld>
-    <p:spTree>
-      <p:nvGrpSpPr>
-        <p:cNvPr id="1" name=""/>
-        <p:cNvGrpSpPr/>
-        <p:nvPr/>
-      </p:nvGrpSpPr>
-      <p:grpSpPr>
-        <a:xfrm>
-          <a:off x="0" y="0"/>
-          <a:ext cx="0" cy="0"/>
-          <a:chOff x="0" y="0"/>
-          <a:chExt cx="0" cy="0"/>
-        </a:xfrm>
-      </p:grpSpPr>
-      <p:pic>
-        <p:nvPicPr>
-          <p:cNvPr id="5" name="Picture 8"/>
-          <p:cNvPicPr>
-            <a:picLocks noChangeAspect="1" noChangeArrowheads="1"/>
-          </p:cNvPicPr>
-          <p:nvPr/>
-        </p:nvPicPr>
-        <p:blipFill>
-          <a:blip r:embed="rId2" cstate="print"/>
-          <a:srcRect/>
-          <a:stretch>
-            <a:fillRect/>
-          </a:stretch>
-        </p:blipFill>
-        <p:spPr bwMode="auto">
-          <a:xfrm>
-            <a:off x="144541" y="548680"/>
-            <a:ext cx="8963963" cy="5472608"/>
-          </a:xfrm>
-          <a:prstGeom prst="rect">
-            <a:avLst/>
-          </a:prstGeom>
-          <a:noFill/>
-          <a:ln w="9525">
-            <a:noFill/>
-            <a:miter lim="800000"/>
-            <a:headEnd/>
-            <a:tailEnd/>
-          </a:ln>
-        </p:spPr>
-      </p:pic>
-      <p:sp>
-        <p:nvSpPr>
-          <p:cNvPr id="7" name="직사각형 6"/>
-          <p:cNvSpPr/>
-          <p:nvPr/>
-        </p:nvSpPr>
-        <p:spPr>
-          <a:xfrm>
-            <a:off x="0" y="404664"/>
-            <a:ext cx="9144000" cy="2664296"/>
-          </a:xfrm>
-          <a:prstGeom prst="rect">
-            <a:avLst/>
-          </a:prstGeom>
-          <a:solidFill>
-            <a:schemeClr val="bg1">
-              <a:alpha val="83000"/>
-            </a:schemeClr>
-          </a:solidFill>
-          <a:ln>
-            <a:noFill/>
-          </a:ln>
-        </p:spPr>
-        <p:style>
-          <a:lnRef idx="2">
-            <a:schemeClr val="accent1">
-              <a:shade val="50000"/>
-            </a:schemeClr>
-          </a:lnRef>
-          <a:fillRef idx="1">
-            <a:schemeClr val="accent1"/>
-          </a:fillRef>
-          <a:effectRef idx="0">
-            <a:schemeClr val="accent1"/>
-          </a:effectRef>
-          <a:fontRef idx="minor">
-            <a:schemeClr val="lt1"/>
-          </a:fontRef>
-        </p:style>
-        <p:txBody>
-          <a:bodyPr rtlCol="0" anchor="ctr"/>
-          <a:lstStyle/>
-          <a:p>
-            <a:pPr algn="ctr"/>
-            <a:endParaRPr lang="ko-KR" altLang="en-US"/>
-          </a:p>
-        </p:txBody>
-      </p:sp>
-      <p:sp>
-        <p:nvSpPr>
-          <p:cNvPr id="10" name="직사각형 9"/>
-          <p:cNvSpPr/>
-          <p:nvPr/>
-        </p:nvSpPr>
-        <p:spPr>
-          <a:xfrm>
-            <a:off x="0" y="5589240"/>
-            <a:ext cx="8892480" cy="432048"/>
-          </a:xfrm>
-          <a:prstGeom prst="rect">
-            <a:avLst/>
-          </a:prstGeom>
-          <a:solidFill>
-            <a:schemeClr val="bg1">
-              <a:alpha val="83000"/>
-            </a:schemeClr>
-          </a:solidFill>
-          <a:ln>
-            <a:noFill/>
-          </a:ln>
-        </p:spPr>
-        <p:style>
-          <a:lnRef idx="2">
-            <a:schemeClr val="accent1">
-              <a:shade val="50000"/>
-            </a:schemeClr>
-          </a:lnRef>
-          <a:fillRef idx="1">
-            <a:schemeClr val="accent1"/>
-          </a:fillRef>
-          <a:effectRef idx="0">
-            <a:schemeClr val="accent1"/>
-          </a:effectRef>
-          <a:fontRef idx="minor">
-            <a:schemeClr val="lt1"/>
-          </a:fontRef>
-        </p:style>
-        <p:txBody>
-          <a:bodyPr rtlCol="0" anchor="ctr"/>
-          <a:lstStyle/>
-          <a:p>
-            <a:pPr algn="ctr"/>
-            <a:endParaRPr lang="ko-KR" altLang="en-US"/>
-          </a:p>
-        </p:txBody>
-      </p:sp>
-      <p:sp>
-        <p:nvSpPr>
-          <p:cNvPr id="11" name="직사각형 10"/>
-          <p:cNvSpPr/>
-          <p:nvPr/>
-        </p:nvSpPr>
-        <p:spPr>
-          <a:xfrm>
-            <a:off x="1043608" y="5301208"/>
-            <a:ext cx="1944216" cy="432048"/>
-          </a:xfrm>
-          <a:prstGeom prst="rect">
-            <a:avLst/>
-          </a:prstGeom>
-          <a:solidFill>
-            <a:schemeClr val="bg1">
-              <a:alpha val="83000"/>
-            </a:schemeClr>
-          </a:solidFill>
-          <a:ln>
-            <a:noFill/>
-          </a:ln>
-        </p:spPr>
-        <p:style>
-          <a:lnRef idx="2">
-            <a:schemeClr val="accent1">
-              <a:shade val="50000"/>
-            </a:schemeClr>
-          </a:lnRef>
-          <a:fillRef idx="1">
-            <a:schemeClr val="accent1"/>
-          </a:fillRef>
-          <a:effectRef idx="0">
-            <a:schemeClr val="accent1"/>
-          </a:effectRef>
-          <a:fontRef idx="minor">
-            <a:schemeClr val="lt1"/>
-          </a:fontRef>
-        </p:style>
-        <p:txBody>
-          <a:bodyPr rtlCol="0" anchor="ctr"/>
-          <a:lstStyle/>
-          <a:p>
-            <a:pPr algn="ctr"/>
-            <a:endParaRPr lang="ko-KR" altLang="en-US"/>
-          </a:p>
-        </p:txBody>
-      </p:sp>
-      <p:sp>
-        <p:nvSpPr>
-          <p:cNvPr id="12" name="직사각형 11"/>
-          <p:cNvSpPr/>
-          <p:nvPr/>
-        </p:nvSpPr>
-        <p:spPr>
-          <a:xfrm>
-            <a:off x="467543" y="3068960"/>
-            <a:ext cx="2564905" cy="288032"/>
-          </a:xfrm>
-          <a:prstGeom prst="rect">
-            <a:avLst/>
-          </a:prstGeom>
-          <a:solidFill>
-            <a:schemeClr val="bg1">
-              <a:alpha val="83000"/>
-            </a:schemeClr>
-          </a:solidFill>
-          <a:ln>
-            <a:noFill/>
-          </a:ln>
-        </p:spPr>
-        <p:style>
-          <a:lnRef idx="2">
-            <a:schemeClr val="accent1">
-              <a:shade val="50000"/>
-            </a:schemeClr>
-          </a:lnRef>
-          <a:fillRef idx="1">
-            <a:schemeClr val="accent1"/>
-          </a:fillRef>
-          <a:effectRef idx="0">
-            <a:schemeClr val="accent1"/>
-          </a:effectRef>
-          <a:fontRef idx="minor">
-            <a:schemeClr val="lt1"/>
-          </a:fontRef>
-        </p:style>
-        <p:txBody>
-          <a:bodyPr rtlCol="0" anchor="ctr"/>
-          <a:lstStyle/>
-          <a:p>
-            <a:pPr algn="ctr"/>
-            <a:endParaRPr lang="ko-KR" altLang="en-US"/>
-          </a:p>
-        </p:txBody>
-      </p:sp>
-      <p:sp>
-        <p:nvSpPr>
-          <p:cNvPr id="13" name="직사각형 12"/>
-          <p:cNvSpPr/>
-          <p:nvPr/>
-        </p:nvSpPr>
-        <p:spPr>
-          <a:xfrm>
-            <a:off x="251520" y="2132856"/>
-            <a:ext cx="8640960" cy="720080"/>
-          </a:xfrm>
-          <a:prstGeom prst="rect">
-            <a:avLst/>
-          </a:prstGeom>
-          <a:noFill/>
-          <a:ln w="57150">
-            <a:noFill/>
-          </a:ln>
-        </p:spPr>
-        <p:style>
-          <a:lnRef idx="2">
-            <a:schemeClr val="accent1">
-              <a:shade val="50000"/>
-            </a:schemeClr>
-          </a:lnRef>
-          <a:fillRef idx="1">
-            <a:schemeClr val="accent1"/>
-          </a:fillRef>
-          <a:effectRef idx="0">
-            <a:schemeClr val="accent1"/>
-          </a:effectRef>
-          <a:fontRef idx="minor">
-            <a:schemeClr val="lt1"/>
-          </a:fontRef>
-        </p:style>
-        <p:txBody>
-          <a:bodyPr rtlCol="0" anchor="ctr"/>
-          <a:lstStyle/>
-          <a:p>
-            <a:r>
-              <a:rPr lang="en-US" altLang="ko-KR" sz="2400" dirty="0" smtClean="0">
-                <a:solidFill>
-                  <a:schemeClr val="tx1"/>
-                </a:solidFill>
-                <a:latin typeface="a옛날목욕탕L" pitchFamily="18" charset="-127"/>
-                <a:ea typeface="a옛날목욕탕L" pitchFamily="18" charset="-127"/>
-              </a:rPr>
-              <a:t>The method </a:t>
-            </a:r>
-            <a:r>
-              <a:rPr lang="en-US" altLang="ko-KR" sz="2400" b="1" dirty="0" smtClean="0">
-                <a:solidFill>
-                  <a:schemeClr val="tx1"/>
-                </a:solidFill>
-                <a:latin typeface="Courier New" pitchFamily="49" charset="0"/>
-                <a:ea typeface="a옛날목욕탕L" pitchFamily="18" charset="-127"/>
-                <a:cs typeface="Courier New" pitchFamily="49" charset="0"/>
-              </a:rPr>
-              <a:t>run</a:t>
-            </a:r>
-            <a:r>
-              <a:rPr lang="en-US" altLang="ko-KR" sz="2400" dirty="0" smtClean="0">
-                <a:solidFill>
-                  <a:schemeClr val="tx1"/>
-                </a:solidFill>
-                <a:latin typeface="a옛날목욕탕L" pitchFamily="18" charset="-127"/>
-                <a:ea typeface="a옛날목욕탕L" pitchFamily="18" charset="-127"/>
-              </a:rPr>
-              <a:t> in </a:t>
-            </a:r>
-            <a:r>
-              <a:rPr lang="en-US" altLang="ko-KR" sz="2400" b="1" dirty="0" err="1" smtClean="0">
-                <a:solidFill>
-                  <a:schemeClr val="tx1"/>
-                </a:solidFill>
-                <a:latin typeface="Courier New" pitchFamily="49" charset="0"/>
-                <a:ea typeface="a옛날목욕탕L" pitchFamily="18" charset="-127"/>
-                <a:cs typeface="Courier New" pitchFamily="49" charset="0"/>
-              </a:rPr>
-              <a:t>Runnable</a:t>
-            </a:r>
-            <a:r>
-              <a:rPr lang="en-US" altLang="ko-KR" sz="2400" dirty="0" smtClean="0">
-                <a:solidFill>
-                  <a:schemeClr val="tx1"/>
-                </a:solidFill>
-                <a:latin typeface="a옛날목욕탕L" pitchFamily="18" charset="-127"/>
-                <a:ea typeface="a옛날목욕탕L" pitchFamily="18" charset="-127"/>
-              </a:rPr>
-              <a:t> interface should be overridden.</a:t>
-            </a:r>
-            <a:endParaRPr lang="ko-KR" altLang="en-US" sz="2400" dirty="0">
-              <a:solidFill>
-                <a:schemeClr val="tx1"/>
-              </a:solidFill>
-              <a:latin typeface="a옛날목욕탕L" pitchFamily="18" charset="-127"/>
-              <a:ea typeface="a옛날목욕탕L" pitchFamily="18" charset="-127"/>
-            </a:endParaRPr>
-          </a:p>
-        </p:txBody>
-      </p:sp>
-      <p:sp>
-        <p:nvSpPr>
-          <p:cNvPr id="18" name="직사각형 17"/>
-          <p:cNvSpPr/>
-          <p:nvPr/>
-        </p:nvSpPr>
-        <p:spPr>
-          <a:xfrm>
-            <a:off x="0" y="3933056"/>
-            <a:ext cx="9144000" cy="1152128"/>
-          </a:xfrm>
-          <a:prstGeom prst="rect">
-            <a:avLst/>
-          </a:prstGeom>
-          <a:solidFill>
-            <a:schemeClr val="bg1">
-              <a:alpha val="83000"/>
-            </a:schemeClr>
-          </a:solidFill>
-          <a:ln>
-            <a:noFill/>
-          </a:ln>
-        </p:spPr>
-        <p:style>
-          <a:lnRef idx="2">
-            <a:schemeClr val="accent1">
-              <a:shade val="50000"/>
-            </a:schemeClr>
-          </a:lnRef>
-          <a:fillRef idx="1">
-            <a:schemeClr val="accent1"/>
-          </a:fillRef>
-          <a:effectRef idx="0">
-            <a:schemeClr val="accent1"/>
-          </a:effectRef>
-          <a:fontRef idx="minor">
-            <a:schemeClr val="lt1"/>
-          </a:fontRef>
-        </p:style>
-        <p:txBody>
-          <a:bodyPr rtlCol="0" anchor="ctr"/>
-          <a:lstStyle/>
-          <a:p>
-            <a:pPr algn="ctr"/>
-            <a:endParaRPr lang="ko-KR" altLang="en-US"/>
           </a:p>
         </p:txBody>
       </p:sp>
@@ -11789,7 +11772,7 @@
       </p:grpSpPr>
       <p:pic>
         <p:nvPicPr>
-          <p:cNvPr id="4" name="Picture 8"/>
+          <p:cNvPr id="5" name="Picture 8"/>
           <p:cNvPicPr>
             <a:picLocks noChangeAspect="1" noChangeArrowheads="1"/>
           </p:cNvPicPr>
@@ -11821,14 +11804,14 @@
       </p:pic>
       <p:sp>
         <p:nvSpPr>
-          <p:cNvPr id="5" name="직사각형 4"/>
+          <p:cNvPr id="7" name="직사각형 6"/>
           <p:cNvSpPr/>
           <p:nvPr/>
         </p:nvSpPr>
         <p:spPr>
           <a:xfrm>
-            <a:off x="0" y="476672"/>
-            <a:ext cx="9144000" cy="3456384"/>
+            <a:off x="0" y="404664"/>
+            <a:ext cx="9144000" cy="2664296"/>
           </a:xfrm>
           <a:prstGeom prst="rect">
             <a:avLst/>
@@ -11869,14 +11852,14 @@
       </p:sp>
       <p:sp>
         <p:nvSpPr>
-          <p:cNvPr id="6" name="직사각형 5"/>
+          <p:cNvPr id="10" name="직사각형 9"/>
           <p:cNvSpPr/>
           <p:nvPr/>
         </p:nvSpPr>
         <p:spPr>
           <a:xfrm>
-            <a:off x="0" y="5013176"/>
-            <a:ext cx="9144000" cy="1224136"/>
+            <a:off x="0" y="5589240"/>
+            <a:ext cx="8892480" cy="432048"/>
           </a:xfrm>
           <a:prstGeom prst="rect">
             <a:avLst/>
@@ -11917,14 +11900,110 @@
       </p:sp>
       <p:sp>
         <p:nvSpPr>
-          <p:cNvPr id="7" name="직사각형 6"/>
+          <p:cNvPr id="11" name="직사각형 10"/>
           <p:cNvSpPr/>
           <p:nvPr/>
         </p:nvSpPr>
         <p:spPr>
           <a:xfrm>
-            <a:off x="107504" y="2492896"/>
-            <a:ext cx="8928992" cy="1440160"/>
+            <a:off x="1043608" y="5301208"/>
+            <a:ext cx="1944216" cy="432048"/>
+          </a:xfrm>
+          <a:prstGeom prst="rect">
+            <a:avLst/>
+          </a:prstGeom>
+          <a:solidFill>
+            <a:schemeClr val="bg1">
+              <a:alpha val="83000"/>
+            </a:schemeClr>
+          </a:solidFill>
+          <a:ln>
+            <a:noFill/>
+          </a:ln>
+        </p:spPr>
+        <p:style>
+          <a:lnRef idx="2">
+            <a:schemeClr val="accent1">
+              <a:shade val="50000"/>
+            </a:schemeClr>
+          </a:lnRef>
+          <a:fillRef idx="1">
+            <a:schemeClr val="accent1"/>
+          </a:fillRef>
+          <a:effectRef idx="0">
+            <a:schemeClr val="accent1"/>
+          </a:effectRef>
+          <a:fontRef idx="minor">
+            <a:schemeClr val="lt1"/>
+          </a:fontRef>
+        </p:style>
+        <p:txBody>
+          <a:bodyPr rtlCol="0" anchor="ctr"/>
+          <a:lstStyle/>
+          <a:p>
+            <a:pPr algn="ctr"/>
+            <a:endParaRPr lang="ko-KR" altLang="en-US"/>
+          </a:p>
+        </p:txBody>
+      </p:sp>
+      <p:sp>
+        <p:nvSpPr>
+          <p:cNvPr id="12" name="직사각형 11"/>
+          <p:cNvSpPr/>
+          <p:nvPr/>
+        </p:nvSpPr>
+        <p:spPr>
+          <a:xfrm>
+            <a:off x="467543" y="3068960"/>
+            <a:ext cx="2564905" cy="288032"/>
+          </a:xfrm>
+          <a:prstGeom prst="rect">
+            <a:avLst/>
+          </a:prstGeom>
+          <a:solidFill>
+            <a:schemeClr val="bg1">
+              <a:alpha val="83000"/>
+            </a:schemeClr>
+          </a:solidFill>
+          <a:ln>
+            <a:noFill/>
+          </a:ln>
+        </p:spPr>
+        <p:style>
+          <a:lnRef idx="2">
+            <a:schemeClr val="accent1">
+              <a:shade val="50000"/>
+            </a:schemeClr>
+          </a:lnRef>
+          <a:fillRef idx="1">
+            <a:schemeClr val="accent1"/>
+          </a:fillRef>
+          <a:effectRef idx="0">
+            <a:schemeClr val="accent1"/>
+          </a:effectRef>
+          <a:fontRef idx="minor">
+            <a:schemeClr val="lt1"/>
+          </a:fontRef>
+        </p:style>
+        <p:txBody>
+          <a:bodyPr rtlCol="0" anchor="ctr"/>
+          <a:lstStyle/>
+          <a:p>
+            <a:pPr algn="ctr"/>
+            <a:endParaRPr lang="ko-KR" altLang="en-US"/>
+          </a:p>
+        </p:txBody>
+      </p:sp>
+      <p:sp>
+        <p:nvSpPr>
+          <p:cNvPr id="13" name="직사각형 12"/>
+          <p:cNvSpPr/>
+          <p:nvPr/>
+        </p:nvSpPr>
+        <p:spPr>
+          <a:xfrm>
+            <a:off x="251520" y="2132856"/>
+            <a:ext cx="8640960" cy="720080"/>
           </a:xfrm>
           <a:prstGeom prst="rect">
             <a:avLst/>
@@ -11962,7 +12041,7 @@
                 <a:latin typeface="a옛날목욕탕L" pitchFamily="18" charset="-127"/>
                 <a:ea typeface="a옛날목욕탕L" pitchFamily="18" charset="-127"/>
               </a:rPr>
-              <a:t>Constructor of Intent Class need two arguments in this case: </a:t>
+              <a:t>The method </a:t>
             </a:r>
             <a:r>
               <a:rPr lang="en-US" altLang="ko-KR" sz="2400" b="1" dirty="0" smtClean="0">
@@ -11973,7 +12052,17 @@
                 <a:ea typeface="a옛날목욕탕L" pitchFamily="18" charset="-127"/>
                 <a:cs typeface="Courier New" pitchFamily="49" charset="0"/>
               </a:rPr>
-              <a:t>Intent(Context </a:t>
+              <a:t>run</a:t>
+            </a:r>
+            <a:r>
+              <a:rPr lang="en-US" altLang="ko-KR" sz="2400" dirty="0" smtClean="0">
+                <a:solidFill>
+                  <a:schemeClr val="tx1"/>
+                </a:solidFill>
+                <a:latin typeface="a옛날목욕탕L" pitchFamily="18" charset="-127"/>
+                <a:ea typeface="a옛날목욕탕L" pitchFamily="18" charset="-127"/>
+              </a:rPr>
+              <a:t> in </a:t>
             </a:r>
             <a:r>
               <a:rPr lang="en-US" altLang="ko-KR" sz="2400" b="1" dirty="0" err="1" smtClean="0">
@@ -11984,41 +12073,73 @@
                 <a:ea typeface="a옛날목욕탕L" pitchFamily="18" charset="-127"/>
                 <a:cs typeface="Courier New" pitchFamily="49" charset="0"/>
               </a:rPr>
-              <a:t>packageContext</a:t>
-            </a:r>
-            <a:r>
-              <a:rPr lang="en-US" altLang="ko-KR" sz="2400" b="1" dirty="0" smtClean="0">
+              <a:t>Runnable</a:t>
+            </a:r>
+            <a:r>
+              <a:rPr lang="en-US" altLang="ko-KR" sz="2400" dirty="0" smtClean="0">
                 <a:solidFill>
                   <a:schemeClr val="tx1"/>
                 </a:solidFill>
-                <a:latin typeface="Courier New" pitchFamily="49" charset="0"/>
+                <a:latin typeface="a옛날목욕탕L" pitchFamily="18" charset="-127"/>
                 <a:ea typeface="a옛날목욕탕L" pitchFamily="18" charset="-127"/>
-                <a:cs typeface="Courier New" pitchFamily="49" charset="0"/>
-              </a:rPr>
-              <a:t>, Class&lt;?&gt; </a:t>
-            </a:r>
-            <a:r>
-              <a:rPr lang="en-US" altLang="ko-KR" sz="2400" b="1" dirty="0" err="1" smtClean="0">
-                <a:solidFill>
-                  <a:schemeClr val="tx1"/>
-                </a:solidFill>
-                <a:latin typeface="Courier New" pitchFamily="49" charset="0"/>
-                <a:ea typeface="a옛날목욕탕L" pitchFamily="18" charset="-127"/>
-                <a:cs typeface="Courier New" pitchFamily="49" charset="0"/>
-              </a:rPr>
-              <a:t>cls</a:t>
-            </a:r>
-            <a:r>
-              <a:rPr lang="en-US" altLang="ko-KR" sz="2400" b="1" dirty="0" smtClean="0">
-                <a:solidFill>
-                  <a:schemeClr val="tx1"/>
-                </a:solidFill>
-                <a:latin typeface="Courier New" pitchFamily="49" charset="0"/>
-                <a:ea typeface="a옛날목욕탕L" pitchFamily="18" charset="-127"/>
-                <a:cs typeface="Courier New" pitchFamily="49" charset="0"/>
-              </a:rPr>
-              <a:t>)</a:t>
-            </a:r>
+              </a:rPr>
+              <a:t> interface should be overridden.</a:t>
+            </a:r>
+            <a:endParaRPr lang="ko-KR" altLang="en-US" sz="2400" dirty="0">
+              <a:solidFill>
+                <a:schemeClr val="tx1"/>
+              </a:solidFill>
+              <a:latin typeface="a옛날목욕탕L" pitchFamily="18" charset="-127"/>
+              <a:ea typeface="a옛날목욕탕L" pitchFamily="18" charset="-127"/>
+            </a:endParaRPr>
+          </a:p>
+        </p:txBody>
+      </p:sp>
+      <p:sp>
+        <p:nvSpPr>
+          <p:cNvPr id="18" name="직사각형 17"/>
+          <p:cNvSpPr/>
+          <p:nvPr/>
+        </p:nvSpPr>
+        <p:spPr>
+          <a:xfrm>
+            <a:off x="0" y="3933056"/>
+            <a:ext cx="9144000" cy="1152128"/>
+          </a:xfrm>
+          <a:prstGeom prst="rect">
+            <a:avLst/>
+          </a:prstGeom>
+          <a:solidFill>
+            <a:schemeClr val="bg1">
+              <a:alpha val="83000"/>
+            </a:schemeClr>
+          </a:solidFill>
+          <a:ln>
+            <a:noFill/>
+          </a:ln>
+        </p:spPr>
+        <p:style>
+          <a:lnRef idx="2">
+            <a:schemeClr val="accent1">
+              <a:shade val="50000"/>
+            </a:schemeClr>
+          </a:lnRef>
+          <a:fillRef idx="1">
+            <a:schemeClr val="accent1"/>
+          </a:fillRef>
+          <a:effectRef idx="0">
+            <a:schemeClr val="accent1"/>
+          </a:effectRef>
+          <a:fontRef idx="minor">
+            <a:schemeClr val="lt1"/>
+          </a:fontRef>
+        </p:style>
+        <p:txBody>
+          <a:bodyPr rtlCol="0" anchor="ctr"/>
+          <a:lstStyle/>
+          <a:p>
+            <a:pPr algn="ctr"/>
+            <a:endParaRPr lang="ko-KR" altLang="en-US"/>
           </a:p>
         </p:txBody>
       </p:sp>
@@ -12054,16 +12175,144 @@
           <a:chExt cx="0" cy="0"/>
         </a:xfrm>
       </p:grpSpPr>
+      <p:pic>
+        <p:nvPicPr>
+          <p:cNvPr id="4" name="Picture 8"/>
+          <p:cNvPicPr>
+            <a:picLocks noChangeAspect="1" noChangeArrowheads="1"/>
+          </p:cNvPicPr>
+          <p:nvPr/>
+        </p:nvPicPr>
+        <p:blipFill>
+          <a:blip r:embed="rId2" cstate="print"/>
+          <a:srcRect/>
+          <a:stretch>
+            <a:fillRect/>
+          </a:stretch>
+        </p:blipFill>
+        <p:spPr bwMode="auto">
+          <a:xfrm>
+            <a:off x="144541" y="548680"/>
+            <a:ext cx="8963963" cy="5472608"/>
+          </a:xfrm>
+          <a:prstGeom prst="rect">
+            <a:avLst/>
+          </a:prstGeom>
+          <a:noFill/>
+          <a:ln w="9525">
+            <a:noFill/>
+            <a:miter lim="800000"/>
+            <a:headEnd/>
+            <a:tailEnd/>
+          </a:ln>
+        </p:spPr>
+      </p:pic>
       <p:sp>
         <p:nvSpPr>
-          <p:cNvPr id="4" name="직사각형 3"/>
+          <p:cNvPr id="5" name="직사각형 4"/>
           <p:cNvSpPr/>
           <p:nvPr/>
         </p:nvSpPr>
         <p:spPr>
           <a:xfrm>
-            <a:off x="0" y="548680"/>
-            <a:ext cx="9144000" cy="2016224"/>
+            <a:off x="0" y="476672"/>
+            <a:ext cx="9144000" cy="3456384"/>
+          </a:xfrm>
+          <a:prstGeom prst="rect">
+            <a:avLst/>
+          </a:prstGeom>
+          <a:solidFill>
+            <a:schemeClr val="bg1">
+              <a:alpha val="83000"/>
+            </a:schemeClr>
+          </a:solidFill>
+          <a:ln>
+            <a:noFill/>
+          </a:ln>
+        </p:spPr>
+        <p:style>
+          <a:lnRef idx="2">
+            <a:schemeClr val="accent1">
+              <a:shade val="50000"/>
+            </a:schemeClr>
+          </a:lnRef>
+          <a:fillRef idx="1">
+            <a:schemeClr val="accent1"/>
+          </a:fillRef>
+          <a:effectRef idx="0">
+            <a:schemeClr val="accent1"/>
+          </a:effectRef>
+          <a:fontRef idx="minor">
+            <a:schemeClr val="lt1"/>
+          </a:fontRef>
+        </p:style>
+        <p:txBody>
+          <a:bodyPr rtlCol="0" anchor="ctr"/>
+          <a:lstStyle/>
+          <a:p>
+            <a:pPr algn="ctr"/>
+            <a:endParaRPr lang="ko-KR" altLang="en-US"/>
+          </a:p>
+        </p:txBody>
+      </p:sp>
+      <p:sp>
+        <p:nvSpPr>
+          <p:cNvPr id="6" name="직사각형 5"/>
+          <p:cNvSpPr/>
+          <p:nvPr/>
+        </p:nvSpPr>
+        <p:spPr>
+          <a:xfrm>
+            <a:off x="0" y="5013176"/>
+            <a:ext cx="9144000" cy="1224136"/>
+          </a:xfrm>
+          <a:prstGeom prst="rect">
+            <a:avLst/>
+          </a:prstGeom>
+          <a:solidFill>
+            <a:schemeClr val="bg1">
+              <a:alpha val="83000"/>
+            </a:schemeClr>
+          </a:solidFill>
+          <a:ln>
+            <a:noFill/>
+          </a:ln>
+        </p:spPr>
+        <p:style>
+          <a:lnRef idx="2">
+            <a:schemeClr val="accent1">
+              <a:shade val="50000"/>
+            </a:schemeClr>
+          </a:lnRef>
+          <a:fillRef idx="1">
+            <a:schemeClr val="accent1"/>
+          </a:fillRef>
+          <a:effectRef idx="0">
+            <a:schemeClr val="accent1"/>
+          </a:effectRef>
+          <a:fontRef idx="minor">
+            <a:schemeClr val="lt1"/>
+          </a:fontRef>
+        </p:style>
+        <p:txBody>
+          <a:bodyPr rtlCol="0" anchor="ctr"/>
+          <a:lstStyle/>
+          <a:p>
+            <a:pPr algn="ctr"/>
+            <a:endParaRPr lang="ko-KR" altLang="en-US"/>
+          </a:p>
+        </p:txBody>
+      </p:sp>
+      <p:sp>
+        <p:nvSpPr>
+          <p:cNvPr id="7" name="직사각형 6"/>
+          <p:cNvSpPr/>
+          <p:nvPr/>
+        </p:nvSpPr>
+        <p:spPr>
+          <a:xfrm>
+            <a:off x="107504" y="2492896"/>
+            <a:ext cx="8928992" cy="1440160"/>
           </a:xfrm>
           <a:prstGeom prst="rect">
             <a:avLst/>
@@ -12093,59 +12342,74 @@
           <a:bodyPr rtlCol="0" anchor="ctr"/>
           <a:lstStyle/>
           <a:p>
-            <a:pPr algn="ctr"/>
-            <a:r>
-              <a:rPr lang="en-US" altLang="ko-KR" sz="5400" dirty="0" smtClean="0">
+            <a:r>
+              <a:rPr lang="en-US" altLang="ko-KR" sz="2400" dirty="0" smtClean="0">
                 <a:solidFill>
                   <a:schemeClr val="tx1"/>
                 </a:solidFill>
                 <a:latin typeface="a옛날목욕탕L" pitchFamily="18" charset="-127"/>
                 <a:ea typeface="a옛날목욕탕L" pitchFamily="18" charset="-127"/>
               </a:rPr>
-              <a:t>We should tell Manifest that we made new Activity</a:t>
-            </a:r>
-            <a:endParaRPr lang="ko-KR" altLang="en-US" sz="5400" dirty="0">
-              <a:solidFill>
-                <a:schemeClr val="tx1"/>
-              </a:solidFill>
-              <a:latin typeface="a옛날목욕탕L" pitchFamily="18" charset="-127"/>
-              <a:ea typeface="a옛날목욕탕L" pitchFamily="18" charset="-127"/>
-            </a:endParaRPr>
+              <a:t>Constructor of Intent Class need two arguments in this case: </a:t>
+            </a:r>
+            <a:r>
+              <a:rPr lang="en-US" altLang="ko-KR" sz="2400" b="1" dirty="0" smtClean="0">
+                <a:solidFill>
+                  <a:schemeClr val="tx1"/>
+                </a:solidFill>
+                <a:latin typeface="Courier New" pitchFamily="49" charset="0"/>
+                <a:ea typeface="a옛날목욕탕L" pitchFamily="18" charset="-127"/>
+                <a:cs typeface="Courier New" pitchFamily="49" charset="0"/>
+              </a:rPr>
+              <a:t>Intent(Context </a:t>
+            </a:r>
+            <a:r>
+              <a:rPr lang="en-US" altLang="ko-KR" sz="2400" b="1" dirty="0" err="1" smtClean="0">
+                <a:solidFill>
+                  <a:schemeClr val="tx1"/>
+                </a:solidFill>
+                <a:latin typeface="Courier New" pitchFamily="49" charset="0"/>
+                <a:ea typeface="a옛날목욕탕L" pitchFamily="18" charset="-127"/>
+                <a:cs typeface="Courier New" pitchFamily="49" charset="0"/>
+              </a:rPr>
+              <a:t>packageContext</a:t>
+            </a:r>
+            <a:r>
+              <a:rPr lang="en-US" altLang="ko-KR" sz="2400" b="1" dirty="0" smtClean="0">
+                <a:solidFill>
+                  <a:schemeClr val="tx1"/>
+                </a:solidFill>
+                <a:latin typeface="Courier New" pitchFamily="49" charset="0"/>
+                <a:ea typeface="a옛날목욕탕L" pitchFamily="18" charset="-127"/>
+                <a:cs typeface="Courier New" pitchFamily="49" charset="0"/>
+              </a:rPr>
+              <a:t>, Class&lt;?&gt; </a:t>
+            </a:r>
+            <a:r>
+              <a:rPr lang="en-US" altLang="ko-KR" sz="2400" b="1" dirty="0" err="1" smtClean="0">
+                <a:solidFill>
+                  <a:schemeClr val="tx1"/>
+                </a:solidFill>
+                <a:latin typeface="Courier New" pitchFamily="49" charset="0"/>
+                <a:ea typeface="a옛날목욕탕L" pitchFamily="18" charset="-127"/>
+                <a:cs typeface="Courier New" pitchFamily="49" charset="0"/>
+              </a:rPr>
+              <a:t>cls</a:t>
+            </a:r>
+            <a:r>
+              <a:rPr lang="en-US" altLang="ko-KR" sz="2400" b="1" dirty="0" smtClean="0">
+                <a:solidFill>
+                  <a:schemeClr val="tx1"/>
+                </a:solidFill>
+                <a:latin typeface="Courier New" pitchFamily="49" charset="0"/>
+                <a:ea typeface="a옛날목욕탕L" pitchFamily="18" charset="-127"/>
+                <a:cs typeface="Courier New" pitchFamily="49" charset="0"/>
+              </a:rPr>
+              <a:t>)</a:t>
+            </a:r>
           </a:p>
         </p:txBody>
       </p:sp>
-      <p:pic>
-        <p:nvPicPr>
-          <p:cNvPr id="10241" name="Picture 1"/>
-          <p:cNvPicPr>
-            <a:picLocks noChangeAspect="1" noChangeArrowheads="1"/>
-          </p:cNvPicPr>
-          <p:nvPr/>
-        </p:nvPicPr>
-        <p:blipFill>
-          <a:blip r:embed="rId2" cstate="print"/>
-          <a:srcRect/>
-          <a:stretch>
-            <a:fillRect/>
-          </a:stretch>
-        </p:blipFill>
-        <p:spPr bwMode="auto">
-          <a:xfrm>
-            <a:off x="539552" y="2852936"/>
-            <a:ext cx="7851786" cy="3456384"/>
-          </a:xfrm>
-          <a:prstGeom prst="rect">
-            <a:avLst/>
-          </a:prstGeom>
-          <a:noFill/>
-          <a:ln w="9525">
-            <a:noFill/>
-            <a:miter lim="800000"/>
-            <a:headEnd/>
-            <a:tailEnd/>
-          </a:ln>
-        </p:spPr>
-      </p:pic>
     </p:spTree>
   </p:cSld>
   <p:clrMapOvr>
@@ -12436,7 +12700,7 @@
                 <a:ea typeface="a옛날목욕탕L" pitchFamily="18" charset="-127"/>
                 <a:cs typeface="Courier New" pitchFamily="49" charset="0"/>
               </a:rPr>
-              <a:t>Goal</a:t>
+              <a:t>Goal 2</a:t>
             </a:r>
             <a:endParaRPr lang="ko-KR" altLang="en-US" sz="4400" dirty="0"/>
           </a:p>
@@ -12447,6 +12711,13 @@
   <p:clrMapOvr>
     <a:masterClrMapping/>
   </p:clrMapOvr>
+  <p:timing>
+    <p:tnLst>
+      <p:par>
+        <p:cTn id="1" dur="indefinite" restart="never" nodeType="tmRoot"/>
+      </p:par>
+    </p:tnLst>
+  </p:timing>
 </p:sld>
 </file>
 
@@ -12467,57 +12738,23 @@
           <a:chExt cx="0" cy="0"/>
         </a:xfrm>
       </p:grpSpPr>
-      <p:pic>
-        <p:nvPicPr>
-          <p:cNvPr id="9217" name="Picture 1"/>
-          <p:cNvPicPr>
-            <a:picLocks noChangeAspect="1" noChangeArrowheads="1"/>
-          </p:cNvPicPr>
-          <p:nvPr/>
-        </p:nvPicPr>
-        <p:blipFill>
-          <a:blip r:embed="rId2" cstate="print"/>
-          <a:srcRect/>
-          <a:stretch>
-            <a:fillRect/>
-          </a:stretch>
-        </p:blipFill>
-        <p:spPr bwMode="auto">
-          <a:xfrm>
-            <a:off x="899592" y="692696"/>
-            <a:ext cx="7416824" cy="5746724"/>
+      <p:sp>
+        <p:nvSpPr>
+          <p:cNvPr id="4" name="직사각형 3"/>
+          <p:cNvSpPr/>
+          <p:nvPr/>
+        </p:nvSpPr>
+        <p:spPr>
+          <a:xfrm>
+            <a:off x="0" y="548680"/>
+            <a:ext cx="9144000" cy="2016224"/>
           </a:xfrm>
           <a:prstGeom prst="rect">
             <a:avLst/>
           </a:prstGeom>
           <a:noFill/>
-          <a:ln w="9525">
+          <a:ln w="57150">
             <a:noFill/>
-            <a:miter lim="800000"/>
-            <a:headEnd/>
-            <a:tailEnd/>
-          </a:ln>
-        </p:spPr>
-      </p:pic>
-      <p:sp>
-        <p:nvSpPr>
-          <p:cNvPr id="4" name="직사각형 3"/>
-          <p:cNvSpPr/>
-          <p:nvPr/>
-        </p:nvSpPr>
-        <p:spPr>
-          <a:xfrm>
-            <a:off x="1619672" y="3140968"/>
-            <a:ext cx="6552728" cy="1800200"/>
-          </a:xfrm>
-          <a:prstGeom prst="rect">
-            <a:avLst/>
-          </a:prstGeom>
-          <a:noFill/>
-          <a:ln>
-            <a:solidFill>
-              <a:srgbClr val="FF0000"/>
-            </a:solidFill>
           </a:ln>
         </p:spPr>
         <p:style>
@@ -12541,10 +12778,58 @@
           <a:lstStyle/>
           <a:p>
             <a:pPr algn="ctr"/>
-            <a:endParaRPr lang="ko-KR" altLang="en-US"/>
+            <a:r>
+              <a:rPr lang="en-US" altLang="ko-KR" sz="5400" dirty="0" smtClean="0">
+                <a:solidFill>
+                  <a:schemeClr val="tx1"/>
+                </a:solidFill>
+                <a:latin typeface="a옛날목욕탕L" pitchFamily="18" charset="-127"/>
+                <a:ea typeface="a옛날목욕탕L" pitchFamily="18" charset="-127"/>
+              </a:rPr>
+              <a:t>We should tell Manifest that we made new Activity</a:t>
+            </a:r>
+            <a:endParaRPr lang="ko-KR" altLang="en-US" sz="5400" dirty="0">
+              <a:solidFill>
+                <a:schemeClr val="tx1"/>
+              </a:solidFill>
+              <a:latin typeface="a옛날목욕탕L" pitchFamily="18" charset="-127"/>
+              <a:ea typeface="a옛날목욕탕L" pitchFamily="18" charset="-127"/>
+            </a:endParaRPr>
           </a:p>
         </p:txBody>
       </p:sp>
+      <p:pic>
+        <p:nvPicPr>
+          <p:cNvPr id="10241" name="Picture 1"/>
+          <p:cNvPicPr>
+            <a:picLocks noChangeAspect="1" noChangeArrowheads="1"/>
+          </p:cNvPicPr>
+          <p:nvPr/>
+        </p:nvPicPr>
+        <p:blipFill>
+          <a:blip r:embed="rId2" cstate="print"/>
+          <a:srcRect/>
+          <a:stretch>
+            <a:fillRect/>
+          </a:stretch>
+        </p:blipFill>
+        <p:spPr bwMode="auto">
+          <a:xfrm>
+            <a:off x="539552" y="2852936"/>
+            <a:ext cx="7851786" cy="3456384"/>
+          </a:xfrm>
+          <a:prstGeom prst="rect">
+            <a:avLst/>
+          </a:prstGeom>
+          <a:noFill/>
+          <a:ln w="9525">
+            <a:noFill/>
+            <a:miter lim="800000"/>
+            <a:headEnd/>
+            <a:tailEnd/>
+          </a:ln>
+        </p:spPr>
+      </p:pic>
     </p:spTree>
   </p:cSld>
   <p:clrMapOvr>
@@ -12577,6 +12862,116 @@
           <a:chExt cx="0" cy="0"/>
         </a:xfrm>
       </p:grpSpPr>
+      <p:pic>
+        <p:nvPicPr>
+          <p:cNvPr id="9217" name="Picture 1"/>
+          <p:cNvPicPr>
+            <a:picLocks noChangeAspect="1" noChangeArrowheads="1"/>
+          </p:cNvPicPr>
+          <p:nvPr/>
+        </p:nvPicPr>
+        <p:blipFill>
+          <a:blip r:embed="rId2" cstate="print"/>
+          <a:srcRect/>
+          <a:stretch>
+            <a:fillRect/>
+          </a:stretch>
+        </p:blipFill>
+        <p:spPr bwMode="auto">
+          <a:xfrm>
+            <a:off x="899592" y="692696"/>
+            <a:ext cx="7416824" cy="5746724"/>
+          </a:xfrm>
+          <a:prstGeom prst="rect">
+            <a:avLst/>
+          </a:prstGeom>
+          <a:noFill/>
+          <a:ln w="9525">
+            <a:noFill/>
+            <a:miter lim="800000"/>
+            <a:headEnd/>
+            <a:tailEnd/>
+          </a:ln>
+        </p:spPr>
+      </p:pic>
+      <p:sp>
+        <p:nvSpPr>
+          <p:cNvPr id="4" name="직사각형 3"/>
+          <p:cNvSpPr/>
+          <p:nvPr/>
+        </p:nvSpPr>
+        <p:spPr>
+          <a:xfrm>
+            <a:off x="1619672" y="3140968"/>
+            <a:ext cx="6552728" cy="1800200"/>
+          </a:xfrm>
+          <a:prstGeom prst="rect">
+            <a:avLst/>
+          </a:prstGeom>
+          <a:noFill/>
+          <a:ln>
+            <a:solidFill>
+              <a:srgbClr val="FF0000"/>
+            </a:solidFill>
+          </a:ln>
+        </p:spPr>
+        <p:style>
+          <a:lnRef idx="2">
+            <a:schemeClr val="accent1">
+              <a:shade val="50000"/>
+            </a:schemeClr>
+          </a:lnRef>
+          <a:fillRef idx="1">
+            <a:schemeClr val="accent1"/>
+          </a:fillRef>
+          <a:effectRef idx="0">
+            <a:schemeClr val="accent1"/>
+          </a:effectRef>
+          <a:fontRef idx="minor">
+            <a:schemeClr val="lt1"/>
+          </a:fontRef>
+        </p:style>
+        <p:txBody>
+          <a:bodyPr rtlCol="0" anchor="ctr"/>
+          <a:lstStyle/>
+          <a:p>
+            <a:pPr algn="ctr"/>
+            <a:endParaRPr lang="ko-KR" altLang="en-US"/>
+          </a:p>
+        </p:txBody>
+      </p:sp>
+    </p:spTree>
+  </p:cSld>
+  <p:clrMapOvr>
+    <a:masterClrMapping/>
+  </p:clrMapOvr>
+  <p:timing>
+    <p:tnLst>
+      <p:par>
+        <p:cTn id="1" dur="indefinite" restart="never" nodeType="tmRoot"/>
+      </p:par>
+    </p:tnLst>
+  </p:timing>
+</p:sld>
+</file>
+
+<file path=ppt/slides/slide32.xml><?xml version="1.0" encoding="utf-8"?>
+<p:sld xmlns:a="http://schemas.openxmlformats.org/drawingml/2006/main" xmlns:r="http://schemas.openxmlformats.org/officeDocument/2006/relationships" xmlns:p="http://schemas.openxmlformats.org/presentationml/2006/main">
+  <p:cSld>
+    <p:spTree>
+      <p:nvGrpSpPr>
+        <p:cNvPr id="1" name=""/>
+        <p:cNvGrpSpPr/>
+        <p:nvPr/>
+      </p:nvGrpSpPr>
+      <p:grpSpPr>
+        <a:xfrm>
+          <a:off x="0" y="0"/>
+          <a:ext cx="0" cy="0"/>
+          <a:chOff x="0" y="0"/>
+          <a:chExt cx="0" cy="0"/>
+        </a:xfrm>
+      </p:grpSpPr>
       <p:sp>
         <p:nvSpPr>
           <p:cNvPr id="17" name="제목 1"/>
@@ -12605,19 +13000,20 @@
           <a:p>
             <a:pPr algn="ctr"/>
             <a:r>
+              <a:rPr lang="en-US" altLang="ko-KR" sz="4400" dirty="0" smtClean="0">
+                <a:latin typeface="a옛날목욕탕L" pitchFamily="18" charset="-127"/>
+                <a:ea typeface="a옛날목욕탕L" pitchFamily="18" charset="-127"/>
+                <a:cs typeface="Courier New" pitchFamily="49" charset="0"/>
+              </a:rPr>
+              <a:t>To use </a:t>
+            </a:r>
+            <a:r>
               <a:rPr lang="en-US" altLang="ko-KR" sz="4400" b="1" dirty="0" smtClean="0">
                 <a:latin typeface="Courier New" pitchFamily="49" charset="0"/>
                 <a:ea typeface="a옛날목욕탕L" pitchFamily="18" charset="-127"/>
                 <a:cs typeface="Courier New" pitchFamily="49" charset="0"/>
               </a:rPr>
-              <a:t>Intent</a:t>
-            </a:r>
-            <a:r>
-              <a:rPr lang="en-US" altLang="ko-KR" sz="4400" dirty="0" smtClean="0">
-                <a:latin typeface="a옛날목욕탕L" pitchFamily="18" charset="-127"/>
-                <a:ea typeface="a옛날목욕탕L" pitchFamily="18" charset="-127"/>
-              </a:rPr>
-              <a:t>, again</a:t>
+              <a:t>Explicit Intent</a:t>
             </a:r>
             <a:endParaRPr lang="ko-KR" altLang="en-US" sz="4400" dirty="0"/>
           </a:p>
@@ -12631,7 +13027,7 @@
         </p:nvGrpSpPr>
         <p:grpSpPr>
           <a:xfrm>
-            <a:off x="2483768" y="2955856"/>
+            <a:off x="827584" y="2955856"/>
             <a:ext cx="360041" cy="864096"/>
             <a:chOff x="2915815" y="2708920"/>
             <a:chExt cx="360041" cy="1298376"/>
@@ -12781,7 +13177,7 @@
         </p:nvGrpSpPr>
         <p:grpSpPr>
           <a:xfrm flipH="1">
-            <a:off x="6372200" y="2958246"/>
+            <a:off x="7884368" y="2958246"/>
             <a:ext cx="360040" cy="864096"/>
             <a:chOff x="2915815" y="2708920"/>
             <a:chExt cx="360041" cy="1298376"/>
@@ -13008,7 +13404,7 @@
 </p:sld>
 </file>
 
-<file path=ppt/slides/slide32.xml><?xml version="1.0" encoding="utf-8"?>
+<file path=ppt/slides/slide33.xml><?xml version="1.0" encoding="utf-8"?>
 <p:sld xmlns:a="http://schemas.openxmlformats.org/drawingml/2006/main" xmlns:r="http://schemas.openxmlformats.org/officeDocument/2006/relationships" xmlns:p="http://schemas.openxmlformats.org/presentationml/2006/main">
   <p:cSld>
     <p:spTree>
@@ -13286,14 +13682,7 @@
                 <a:latin typeface="Courier New" pitchFamily="49" charset="0"/>
                 <a:cs typeface="Courier New" pitchFamily="49" charset="0"/>
               </a:rPr>
-              <a:t> value</a:t>
-            </a:r>
-            <a:r>
-              <a:rPr lang="en-US" altLang="ko-KR" sz="3600" dirty="0" smtClean="0">
-                <a:latin typeface="Courier New" pitchFamily="49" charset="0"/>
-                <a:cs typeface="Courier New" pitchFamily="49" charset="0"/>
-              </a:rPr>
-              <a:t>)</a:t>
+              <a:t> value)</a:t>
             </a:r>
             <a:endParaRPr lang="en-US" altLang="ko-KR" sz="3500" dirty="0" smtClean="0">
               <a:latin typeface="Courier New" pitchFamily="49" charset="0"/>
@@ -13342,21 +13731,7 @@
                 <a:latin typeface="Courier New" pitchFamily="49" charset="0"/>
                 <a:cs typeface="Courier New" pitchFamily="49" charset="0"/>
               </a:rPr>
-              <a:t>(String</a:t>
-            </a:r>
-            <a:r>
-              <a:rPr lang="en-US" altLang="ko-KR" sz="3600" dirty="0" smtClean="0">
-                <a:latin typeface="Courier New" pitchFamily="49" charset="0"/>
-                <a:cs typeface="Courier New" pitchFamily="49" charset="0"/>
-              </a:rPr>
-              <a:t> name</a:t>
-            </a:r>
-            <a:r>
-              <a:rPr lang="en-US" altLang="ko-KR" sz="3600" dirty="0" smtClean="0">
-                <a:latin typeface="Courier New" pitchFamily="49" charset="0"/>
-                <a:cs typeface="Courier New" pitchFamily="49" charset="0"/>
-              </a:rPr>
-              <a:t>)</a:t>
+              <a:t>(String name)</a:t>
             </a:r>
             <a:r>
               <a:rPr lang="en-US" altLang="ko-KR" sz="3600" b="1" dirty="0" smtClean="0">
@@ -13453,7 +13828,7 @@
 </p:sld>
 </file>
 
-<file path=ppt/slides/slide33.xml><?xml version="1.0" encoding="utf-8"?>
+<file path=ppt/slides/slide34.xml><?xml version="1.0" encoding="utf-8"?>
 <p:sld xmlns:a="http://schemas.openxmlformats.org/drawingml/2006/main" xmlns:r="http://schemas.openxmlformats.org/officeDocument/2006/relationships" xmlns:p="http://schemas.openxmlformats.org/presentationml/2006/main">
   <p:cSld>
     <p:spTree>
@@ -13680,7 +14055,7 @@
 </p:sld>
 </file>
 
-<file path=ppt/slides/slide34.xml><?xml version="1.0" encoding="utf-8"?>
+<file path=ppt/slides/slide35.xml><?xml version="1.0" encoding="utf-8"?>
 <p:sld xmlns:a="http://schemas.openxmlformats.org/drawingml/2006/main" xmlns:r="http://schemas.openxmlformats.org/officeDocument/2006/relationships" xmlns:p="http://schemas.openxmlformats.org/presentationml/2006/main">
   <p:cSld>
     <p:spTree>
@@ -13934,186 +14309,7 @@
 </p:sld>
 </file>
 
-<file path=ppt/slides/slide35.xml><?xml version="1.0" encoding="utf-8"?>
-<p:sld xmlns:a="http://schemas.openxmlformats.org/drawingml/2006/main" xmlns:r="http://schemas.openxmlformats.org/officeDocument/2006/relationships" xmlns:p="http://schemas.openxmlformats.org/presentationml/2006/main">
-  <p:cSld>
-    <p:spTree>
-      <p:nvGrpSpPr>
-        <p:cNvPr id="1" name=""/>
-        <p:cNvGrpSpPr/>
-        <p:nvPr/>
-      </p:nvGrpSpPr>
-      <p:grpSpPr>
-        <a:xfrm>
-          <a:off x="0" y="0"/>
-          <a:ext cx="0" cy="0"/>
-          <a:chOff x="0" y="0"/>
-          <a:chExt cx="0" cy="0"/>
-        </a:xfrm>
-      </p:grpSpPr>
-      <p:sp>
-        <p:nvSpPr>
-          <p:cNvPr id="4" name="직사각형 3"/>
-          <p:cNvSpPr/>
-          <p:nvPr/>
-        </p:nvSpPr>
-        <p:spPr>
-          <a:xfrm>
-            <a:off x="0" y="4509120"/>
-            <a:ext cx="9144000" cy="523220"/>
-          </a:xfrm>
-          <a:prstGeom prst="rect">
-            <a:avLst/>
-          </a:prstGeom>
-        </p:spPr>
-        <p:txBody>
-          <a:bodyPr wrap="square">
-            <a:spAutoFit/>
-          </a:bodyPr>
-          <a:lstStyle/>
-          <a:p>
-            <a:pPr algn="ctr"/>
-            <a:r>
-              <a:rPr lang="en-US" altLang="ko-KR" sz="2800" smtClean="0">
-                <a:latin typeface="나눔손글씨 붓" pitchFamily="66" charset="-127"/>
-                <a:ea typeface="나눔손글씨 붓" pitchFamily="66" charset="-127"/>
-              </a:rPr>
-              <a:t>https://github.com/daehwa/world-friends-Uzbekistan-android/</a:t>
-            </a:r>
-            <a:endParaRPr lang="ko-KR" altLang="en-US" sz="2800">
-              <a:latin typeface="나눔손글씨 붓" pitchFamily="66" charset="-127"/>
-              <a:ea typeface="나눔손글씨 붓" pitchFamily="66" charset="-127"/>
-            </a:endParaRPr>
-          </a:p>
-        </p:txBody>
-      </p:sp>
-      <p:sp>
-        <p:nvSpPr>
-          <p:cNvPr id="5" name="제목 1"/>
-          <p:cNvSpPr txBox="1">
-            <a:spLocks/>
-          </p:cNvSpPr>
-          <p:nvPr/>
-        </p:nvSpPr>
-        <p:spPr>
-          <a:xfrm>
-            <a:off x="1547664" y="188640"/>
-            <a:ext cx="6048672" cy="854360"/>
-          </a:xfrm>
-          <a:prstGeom prst="rect">
-            <a:avLst/>
-          </a:prstGeom>
-          <a:ln w="38100">
-            <a:noFill/>
-          </a:ln>
-        </p:spPr>
-        <p:txBody>
-          <a:bodyPr vert="horz" lIns="91440" tIns="45720" rIns="91440" bIns="45720" rtlCol="0" anchor="ctr">
-            <a:normAutofit/>
-          </a:bodyPr>
-          <a:lstStyle/>
-          <a:p>
-            <a:pPr marL="0" marR="0" lvl="0" indent="0" algn="ctr" defTabSz="914400" rtl="0" eaLnBrk="1" fontAlgn="auto" latinLnBrk="1" hangingPunct="1">
-              <a:lnSpc>
-                <a:spcPct val="100000"/>
-              </a:lnSpc>
-              <a:spcBef>
-                <a:spcPct val="0"/>
-              </a:spcBef>
-              <a:spcAft>
-                <a:spcPts val="0"/>
-              </a:spcAft>
-              <a:buClrTx/>
-              <a:buSzTx/>
-              <a:buFontTx/>
-              <a:buNone/>
-              <a:tabLst/>
-              <a:defRPr/>
-            </a:pPr>
-            <a:r>
-              <a:rPr kumimoji="0" lang="en-US" altLang="ko-KR" sz="4400" b="0" i="0" u="none" strike="noStrike" kern="1200" cap="none" spc="0" normalizeH="0" baseline="0" noProof="0" smtClean="0">
-                <a:ln>
-                  <a:noFill/>
-                </a:ln>
-                <a:effectLst/>
-                <a:uLnTx/>
-                <a:uFillTx/>
-                <a:latin typeface="a옛날목욕탕L" pitchFamily="18" charset="-127"/>
-                <a:ea typeface="a옛날목욕탕L" pitchFamily="18" charset="-127"/>
-                <a:cs typeface="+mj-cs"/>
-              </a:rPr>
-              <a:t>Download</a:t>
-            </a:r>
-            <a:r>
-              <a:rPr kumimoji="0" lang="en-US" altLang="ko-KR" sz="4400" b="0" i="0" u="none" strike="noStrike" kern="1200" cap="none" spc="0" normalizeH="0" noProof="0" smtClean="0">
-                <a:ln>
-                  <a:noFill/>
-                </a:ln>
-                <a:effectLst/>
-                <a:uLnTx/>
-                <a:uFillTx/>
-                <a:latin typeface="a옛날목욕탕L" pitchFamily="18" charset="-127"/>
-                <a:ea typeface="a옛날목욕탕L" pitchFamily="18" charset="-127"/>
-                <a:cs typeface="+mj-cs"/>
-              </a:rPr>
-              <a:t> skeleton</a:t>
-            </a:r>
-            <a:endParaRPr kumimoji="0" lang="ko-KR" altLang="en-US" sz="4400" b="0" i="0" u="none" strike="noStrike" kern="1200" cap="none" spc="0" normalizeH="0" baseline="0" noProof="0" smtClean="0">
-              <a:ln>
-                <a:noFill/>
-              </a:ln>
-              <a:effectLst/>
-              <a:uLnTx/>
-              <a:uFillTx/>
-              <a:latin typeface="a옛날목욕탕L" pitchFamily="18" charset="-127"/>
-              <a:ea typeface="a옛날목욕탕L" pitchFamily="18" charset="-127"/>
-              <a:cs typeface="+mj-cs"/>
-            </a:endParaRPr>
-          </a:p>
-        </p:txBody>
-      </p:sp>
-      <p:pic>
-        <p:nvPicPr>
-          <p:cNvPr id="44034" name="Picture 2" descr="https://assets-cdn.github.com/images/modules/open_graph/github-mark.png"/>
-          <p:cNvPicPr>
-            <a:picLocks noChangeAspect="1" noChangeArrowheads="1"/>
-          </p:cNvPicPr>
-          <p:nvPr/>
-        </p:nvPicPr>
-        <p:blipFill>
-          <a:blip r:embed="rId2" cstate="print"/>
-          <a:srcRect/>
-          <a:stretch>
-            <a:fillRect/>
-          </a:stretch>
-        </p:blipFill>
-        <p:spPr bwMode="auto">
-          <a:xfrm>
-            <a:off x="2195736" y="1988840"/>
-            <a:ext cx="4699792" cy="2467390"/>
-          </a:xfrm>
-          <a:prstGeom prst="rect">
-            <a:avLst/>
-          </a:prstGeom>
-          <a:noFill/>
-        </p:spPr>
-      </p:pic>
-    </p:spTree>
-  </p:cSld>
-  <p:clrMapOvr>
-    <a:masterClrMapping/>
-  </p:clrMapOvr>
-  <p:timing>
-    <p:tnLst>
-      <p:par>
-        <p:cTn id="1" dur="indefinite" restart="never" nodeType="tmRoot"/>
-      </p:par>
-    </p:tnLst>
-  </p:timing>
-</p:sld>
-</file>
-
-<file path=ppt/slides/slide4.xml><?xml version="1.0" encoding="utf-8"?>
+<file path=ppt/slides/slide36.xml><?xml version="1.0" encoding="utf-8"?>
 <p:sld xmlns:a="http://schemas.openxmlformats.org/drawingml/2006/main" xmlns:r="http://schemas.openxmlformats.org/officeDocument/2006/relationships" xmlns:p="http://schemas.openxmlformats.org/presentationml/2006/main">
   <p:cSld>
     <p:spTree>
@@ -14158,17 +14354,22 @@
           <a:p>
             <a:pPr algn="ctr"/>
             <a:r>
+              <a:rPr lang="en-US" altLang="ko-KR" sz="4400" dirty="0" smtClean="0">
+                <a:latin typeface="a옛날목욕탕L" pitchFamily="18" charset="-127"/>
+                <a:ea typeface="a옛날목욕탕L" pitchFamily="18" charset="-127"/>
+                <a:cs typeface="Courier New" pitchFamily="49" charset="0"/>
+              </a:rPr>
+              <a:t>To use </a:t>
+            </a:r>
+            <a:r>
               <a:rPr lang="en-US" altLang="ko-KR" sz="4400" b="1" dirty="0" smtClean="0">
                 <a:latin typeface="Courier New" pitchFamily="49" charset="0"/>
                 <a:ea typeface="a옛날목욕탕L" pitchFamily="18" charset="-127"/>
                 <a:cs typeface="Courier New" pitchFamily="49" charset="0"/>
               </a:rPr>
-              <a:t>Intent</a:t>
-            </a:r>
-            <a:endParaRPr lang="ko-KR" altLang="en-US" sz="4400" b="1" dirty="0">
-              <a:latin typeface="Courier New" pitchFamily="49" charset="0"/>
-              <a:cs typeface="Courier New" pitchFamily="49" charset="0"/>
-            </a:endParaRPr>
+              <a:t>Implicit Intent</a:t>
+            </a:r>
+            <a:endParaRPr lang="ko-KR" altLang="en-US" sz="4400" dirty="0"/>
           </a:p>
         </p:txBody>
       </p:sp>
@@ -14180,7 +14381,7 @@
         </p:nvGrpSpPr>
         <p:grpSpPr>
           <a:xfrm>
-            <a:off x="3131840" y="2955856"/>
+            <a:off x="827584" y="2955856"/>
             <a:ext cx="360041" cy="864096"/>
             <a:chOff x="2915815" y="2708920"/>
             <a:chExt cx="360041" cy="1298376"/>
@@ -14330,7 +14531,7 @@
         </p:nvGrpSpPr>
         <p:grpSpPr>
           <a:xfrm flipH="1">
-            <a:off x="5631572" y="2958246"/>
+            <a:off x="7884368" y="2958246"/>
             <a:ext cx="360040" cy="864096"/>
             <a:chOff x="2915815" y="2708920"/>
             <a:chExt cx="360041" cy="1298376"/>
@@ -14547,6 +14748,1628 @@
   <p:transition>
     <p:fade/>
   </p:transition>
+  <p:timing>
+    <p:tnLst>
+      <p:par>
+        <p:cTn id="1" dur="indefinite" restart="never" nodeType="tmRoot"/>
+      </p:par>
+    </p:tnLst>
+  </p:timing>
+</p:sld>
+</file>
+
+<file path=ppt/slides/slide37.xml><?xml version="1.0" encoding="utf-8"?>
+<p:sld xmlns:a="http://schemas.openxmlformats.org/drawingml/2006/main" xmlns:r="http://schemas.openxmlformats.org/officeDocument/2006/relationships" xmlns:p="http://schemas.openxmlformats.org/presentationml/2006/main">
+  <p:cSld>
+    <p:spTree>
+      <p:nvGrpSpPr>
+        <p:cNvPr id="1" name=""/>
+        <p:cNvGrpSpPr/>
+        <p:nvPr/>
+      </p:nvGrpSpPr>
+      <p:grpSpPr>
+        <a:xfrm>
+          <a:off x="0" y="0"/>
+          <a:ext cx="0" cy="0"/>
+          <a:chOff x="0" y="0"/>
+          <a:chExt cx="0" cy="0"/>
+        </a:xfrm>
+      </p:grpSpPr>
+      <p:grpSp>
+        <p:nvGrpSpPr>
+          <p:cNvPr id="4" name="그룹 15"/>
+          <p:cNvGrpSpPr/>
+          <p:nvPr/>
+        </p:nvGrpSpPr>
+        <p:grpSpPr>
+          <a:xfrm>
+            <a:off x="-1188290" y="6300792"/>
+            <a:ext cx="12041683" cy="576064"/>
+            <a:chOff x="-1188290" y="6291267"/>
+            <a:chExt cx="12041683" cy="576064"/>
+          </a:xfrm>
+        </p:grpSpPr>
+        <p:pic>
+          <p:nvPicPr>
+            <p:cNvPr id="5" name="Picture 2" descr="D:\worldfriends_IT_lecture\korea.png"/>
+            <p:cNvPicPr>
+              <a:picLocks noChangeAspect="1" noChangeArrowheads="1"/>
+            </p:cNvPicPr>
+            <p:nvPr/>
+          </p:nvPicPr>
+          <p:blipFill>
+            <a:blip r:embed="rId2" cstate="print"/>
+            <a:srcRect/>
+            <a:stretch>
+              <a:fillRect/>
+            </a:stretch>
+          </p:blipFill>
+          <p:spPr bwMode="auto">
+            <a:xfrm>
+              <a:off x="-1188290" y="6319292"/>
+              <a:ext cx="6048322" cy="538708"/>
+            </a:xfrm>
+            <a:prstGeom prst="rect">
+              <a:avLst/>
+            </a:prstGeom>
+            <a:noFill/>
+          </p:spPr>
+        </p:pic>
+        <p:pic>
+          <p:nvPicPr>
+            <p:cNvPr id="6" name="Picture 3" descr="D:\worldfriends_IT_lecture\uzbek.png"/>
+            <p:cNvPicPr>
+              <a:picLocks noChangeAspect="1" noChangeArrowheads="1"/>
+            </p:cNvPicPr>
+            <p:nvPr/>
+          </p:nvPicPr>
+          <p:blipFill>
+            <a:blip r:embed="rId3" cstate="print"/>
+            <a:srcRect/>
+            <a:stretch>
+              <a:fillRect/>
+            </a:stretch>
+          </p:blipFill>
+          <p:spPr bwMode="auto">
+            <a:xfrm>
+              <a:off x="4860032" y="6291267"/>
+              <a:ext cx="5993361" cy="576064"/>
+            </a:xfrm>
+            <a:prstGeom prst="rect">
+              <a:avLst/>
+            </a:prstGeom>
+            <a:noFill/>
+          </p:spPr>
+        </p:pic>
+      </p:grpSp>
+      <p:pic>
+        <p:nvPicPr>
+          <p:cNvPr id="1026" name="Picture 2"/>
+          <p:cNvPicPr>
+            <a:picLocks noChangeAspect="1" noChangeArrowheads="1"/>
+          </p:cNvPicPr>
+          <p:nvPr/>
+        </p:nvPicPr>
+        <p:blipFill>
+          <a:blip r:embed="rId4" cstate="print"/>
+          <a:srcRect/>
+          <a:stretch>
+            <a:fillRect/>
+          </a:stretch>
+        </p:blipFill>
+        <p:spPr bwMode="auto">
+          <a:xfrm>
+            <a:off x="141780" y="2132856"/>
+            <a:ext cx="9002220" cy="2304256"/>
+          </a:xfrm>
+          <a:prstGeom prst="rect">
+            <a:avLst/>
+          </a:prstGeom>
+          <a:noFill/>
+          <a:ln w="9525">
+            <a:noFill/>
+            <a:miter lim="800000"/>
+            <a:headEnd/>
+            <a:tailEnd/>
+          </a:ln>
+        </p:spPr>
+      </p:pic>
+      <p:sp>
+        <p:nvSpPr>
+          <p:cNvPr id="8" name="직사각형 7"/>
+          <p:cNvSpPr/>
+          <p:nvPr/>
+        </p:nvSpPr>
+        <p:spPr>
+          <a:xfrm>
+            <a:off x="0" y="2564904"/>
+            <a:ext cx="9144000" cy="1944216"/>
+          </a:xfrm>
+          <a:prstGeom prst="rect">
+            <a:avLst/>
+          </a:prstGeom>
+          <a:solidFill>
+            <a:schemeClr val="bg1">
+              <a:alpha val="83000"/>
+            </a:schemeClr>
+          </a:solidFill>
+          <a:ln>
+            <a:noFill/>
+          </a:ln>
+        </p:spPr>
+        <p:style>
+          <a:lnRef idx="2">
+            <a:schemeClr val="accent1">
+              <a:shade val="50000"/>
+            </a:schemeClr>
+          </a:lnRef>
+          <a:fillRef idx="1">
+            <a:schemeClr val="accent1"/>
+          </a:fillRef>
+          <a:effectRef idx="0">
+            <a:schemeClr val="accent1"/>
+          </a:effectRef>
+          <a:fontRef idx="minor">
+            <a:schemeClr val="lt1"/>
+          </a:fontRef>
+        </p:style>
+        <p:txBody>
+          <a:bodyPr rtlCol="0" anchor="ctr"/>
+          <a:lstStyle/>
+          <a:p>
+            <a:pPr algn="ctr"/>
+            <a:endParaRPr lang="ko-KR" altLang="en-US"/>
+          </a:p>
+        </p:txBody>
+      </p:sp>
+      <p:sp>
+        <p:nvSpPr>
+          <p:cNvPr id="9" name="제목 1"/>
+          <p:cNvSpPr txBox="1">
+            <a:spLocks/>
+          </p:cNvSpPr>
+          <p:nvPr/>
+        </p:nvSpPr>
+        <p:spPr>
+          <a:xfrm>
+            <a:off x="-1016" y="2924944"/>
+            <a:ext cx="9145016" cy="854360"/>
+          </a:xfrm>
+          <a:prstGeom prst="rect">
+            <a:avLst/>
+          </a:prstGeom>
+          <a:ln w="38100">
+            <a:noFill/>
+          </a:ln>
+        </p:spPr>
+        <p:txBody>
+          <a:bodyPr vert="horz" lIns="91440" tIns="45720" rIns="91440" bIns="45720" rtlCol="0" anchor="ctr">
+            <a:normAutofit/>
+          </a:bodyPr>
+          <a:lstStyle/>
+          <a:p>
+            <a:pPr algn="ctr"/>
+            <a:r>
+              <a:rPr lang="en-US" altLang="ko-KR" sz="4400" dirty="0" smtClean="0">
+                <a:latin typeface="a옛날목욕탕L" pitchFamily="18" charset="-127"/>
+                <a:ea typeface="a옛날목욕탕L" pitchFamily="18" charset="-127"/>
+                <a:cs typeface="Courier New" pitchFamily="49" charset="0"/>
+              </a:rPr>
+              <a:t>To make Intent for sending</a:t>
+            </a:r>
+            <a:endParaRPr lang="ko-KR" altLang="en-US" sz="4400" dirty="0"/>
+          </a:p>
+        </p:txBody>
+      </p:sp>
+    </p:spTree>
+  </p:cSld>
+  <p:clrMapOvr>
+    <a:masterClrMapping/>
+  </p:clrMapOvr>
+  <p:timing>
+    <p:tnLst>
+      <p:par>
+        <p:cTn id="1" dur="indefinite" restart="never" nodeType="tmRoot"/>
+      </p:par>
+    </p:tnLst>
+  </p:timing>
+</p:sld>
+</file>
+
+<file path=ppt/slides/slide38.xml><?xml version="1.0" encoding="utf-8"?>
+<p:sld xmlns:a="http://schemas.openxmlformats.org/drawingml/2006/main" xmlns:r="http://schemas.openxmlformats.org/officeDocument/2006/relationships" xmlns:p="http://schemas.openxmlformats.org/presentationml/2006/main">
+  <p:cSld>
+    <p:spTree>
+      <p:nvGrpSpPr>
+        <p:cNvPr id="1" name=""/>
+        <p:cNvGrpSpPr/>
+        <p:nvPr/>
+      </p:nvGrpSpPr>
+      <p:grpSpPr>
+        <a:xfrm>
+          <a:off x="0" y="0"/>
+          <a:ext cx="0" cy="0"/>
+          <a:chOff x="0" y="0"/>
+          <a:chExt cx="0" cy="0"/>
+        </a:xfrm>
+      </p:grpSpPr>
+      <p:grpSp>
+        <p:nvGrpSpPr>
+          <p:cNvPr id="4" name="그룹 15"/>
+          <p:cNvGrpSpPr/>
+          <p:nvPr/>
+        </p:nvGrpSpPr>
+        <p:grpSpPr>
+          <a:xfrm>
+            <a:off x="-1188290" y="6300792"/>
+            <a:ext cx="12041683" cy="576064"/>
+            <a:chOff x="-1188290" y="6291267"/>
+            <a:chExt cx="12041683" cy="576064"/>
+          </a:xfrm>
+        </p:grpSpPr>
+        <p:pic>
+          <p:nvPicPr>
+            <p:cNvPr id="5" name="Picture 2" descr="D:\worldfriends_IT_lecture\korea.png"/>
+            <p:cNvPicPr>
+              <a:picLocks noChangeAspect="1" noChangeArrowheads="1"/>
+            </p:cNvPicPr>
+            <p:nvPr/>
+          </p:nvPicPr>
+          <p:blipFill>
+            <a:blip r:embed="rId2" cstate="print"/>
+            <a:srcRect/>
+            <a:stretch>
+              <a:fillRect/>
+            </a:stretch>
+          </p:blipFill>
+          <p:spPr bwMode="auto">
+            <a:xfrm>
+              <a:off x="-1188290" y="6319292"/>
+              <a:ext cx="6048322" cy="538708"/>
+            </a:xfrm>
+            <a:prstGeom prst="rect">
+              <a:avLst/>
+            </a:prstGeom>
+            <a:noFill/>
+          </p:spPr>
+        </p:pic>
+        <p:pic>
+          <p:nvPicPr>
+            <p:cNvPr id="6" name="Picture 3" descr="D:\worldfriends_IT_lecture\uzbek.png"/>
+            <p:cNvPicPr>
+              <a:picLocks noChangeAspect="1" noChangeArrowheads="1"/>
+            </p:cNvPicPr>
+            <p:nvPr/>
+          </p:nvPicPr>
+          <p:blipFill>
+            <a:blip r:embed="rId3" cstate="print"/>
+            <a:srcRect/>
+            <a:stretch>
+              <a:fillRect/>
+            </a:stretch>
+          </p:blipFill>
+          <p:spPr bwMode="auto">
+            <a:xfrm>
+              <a:off x="4860032" y="6291267"/>
+              <a:ext cx="5993361" cy="576064"/>
+            </a:xfrm>
+            <a:prstGeom prst="rect">
+              <a:avLst/>
+            </a:prstGeom>
+            <a:noFill/>
+          </p:spPr>
+        </p:pic>
+      </p:grpSp>
+      <p:pic>
+        <p:nvPicPr>
+          <p:cNvPr id="7" name="Picture 2"/>
+          <p:cNvPicPr>
+            <a:picLocks noChangeAspect="1" noChangeArrowheads="1"/>
+          </p:cNvPicPr>
+          <p:nvPr/>
+        </p:nvPicPr>
+        <p:blipFill>
+          <a:blip r:embed="rId4" cstate="print"/>
+          <a:srcRect/>
+          <a:stretch>
+            <a:fillRect/>
+          </a:stretch>
+        </p:blipFill>
+        <p:spPr bwMode="auto">
+          <a:xfrm>
+            <a:off x="141780" y="2132856"/>
+            <a:ext cx="9002220" cy="2304256"/>
+          </a:xfrm>
+          <a:prstGeom prst="rect">
+            <a:avLst/>
+          </a:prstGeom>
+          <a:noFill/>
+          <a:ln w="9525">
+            <a:noFill/>
+            <a:miter lim="800000"/>
+            <a:headEnd/>
+            <a:tailEnd/>
+          </a:ln>
+        </p:spPr>
+      </p:pic>
+      <p:sp>
+        <p:nvSpPr>
+          <p:cNvPr id="8" name="직사각형 7"/>
+          <p:cNvSpPr/>
+          <p:nvPr/>
+        </p:nvSpPr>
+        <p:spPr>
+          <a:xfrm>
+            <a:off x="0" y="3356992"/>
+            <a:ext cx="9144000" cy="1080120"/>
+          </a:xfrm>
+          <a:prstGeom prst="rect">
+            <a:avLst/>
+          </a:prstGeom>
+          <a:solidFill>
+            <a:schemeClr val="bg1">
+              <a:alpha val="83000"/>
+            </a:schemeClr>
+          </a:solidFill>
+          <a:ln>
+            <a:noFill/>
+          </a:ln>
+        </p:spPr>
+        <p:style>
+          <a:lnRef idx="2">
+            <a:schemeClr val="accent1">
+              <a:shade val="50000"/>
+            </a:schemeClr>
+          </a:lnRef>
+          <a:fillRef idx="1">
+            <a:schemeClr val="accent1"/>
+          </a:fillRef>
+          <a:effectRef idx="0">
+            <a:schemeClr val="accent1"/>
+          </a:effectRef>
+          <a:fontRef idx="minor">
+            <a:schemeClr val="lt1"/>
+          </a:fontRef>
+        </p:style>
+        <p:txBody>
+          <a:bodyPr rtlCol="0" anchor="ctr"/>
+          <a:lstStyle/>
+          <a:p>
+            <a:pPr algn="ctr"/>
+            <a:endParaRPr lang="ko-KR" altLang="en-US"/>
+          </a:p>
+        </p:txBody>
+      </p:sp>
+      <p:sp>
+        <p:nvSpPr>
+          <p:cNvPr id="9" name="직사각형 8"/>
+          <p:cNvSpPr/>
+          <p:nvPr/>
+        </p:nvSpPr>
+        <p:spPr>
+          <a:xfrm>
+            <a:off x="0" y="2132856"/>
+            <a:ext cx="9144000" cy="504056"/>
+          </a:xfrm>
+          <a:prstGeom prst="rect">
+            <a:avLst/>
+          </a:prstGeom>
+          <a:solidFill>
+            <a:schemeClr val="bg1">
+              <a:alpha val="83000"/>
+            </a:schemeClr>
+          </a:solidFill>
+          <a:ln>
+            <a:noFill/>
+          </a:ln>
+        </p:spPr>
+        <p:style>
+          <a:lnRef idx="2">
+            <a:schemeClr val="accent1">
+              <a:shade val="50000"/>
+            </a:schemeClr>
+          </a:lnRef>
+          <a:fillRef idx="1">
+            <a:schemeClr val="accent1"/>
+          </a:fillRef>
+          <a:effectRef idx="0">
+            <a:schemeClr val="accent1"/>
+          </a:effectRef>
+          <a:fontRef idx="minor">
+            <a:schemeClr val="lt1"/>
+          </a:fontRef>
+        </p:style>
+        <p:txBody>
+          <a:bodyPr rtlCol="0" anchor="ctr"/>
+          <a:lstStyle/>
+          <a:p>
+            <a:pPr algn="ctr"/>
+            <a:endParaRPr lang="ko-KR" altLang="en-US"/>
+          </a:p>
+        </p:txBody>
+      </p:sp>
+      <p:sp>
+        <p:nvSpPr>
+          <p:cNvPr id="10" name="제목 1"/>
+          <p:cNvSpPr txBox="1">
+            <a:spLocks/>
+          </p:cNvSpPr>
+          <p:nvPr/>
+        </p:nvSpPr>
+        <p:spPr>
+          <a:xfrm>
+            <a:off x="-1016" y="3429000"/>
+            <a:ext cx="9145016" cy="1800200"/>
+          </a:xfrm>
+          <a:prstGeom prst="rect">
+            <a:avLst/>
+          </a:prstGeom>
+          <a:ln w="38100">
+            <a:noFill/>
+          </a:ln>
+        </p:spPr>
+        <p:txBody>
+          <a:bodyPr vert="horz" lIns="91440" tIns="45720" rIns="91440" bIns="45720" rtlCol="0" anchor="ctr">
+            <a:normAutofit fontScale="92500" lnSpcReduction="10000"/>
+          </a:bodyPr>
+          <a:lstStyle/>
+          <a:p>
+            <a:pPr algn="ctr"/>
+            <a:r>
+              <a:rPr lang="en-US" altLang="ko-KR" sz="4400" dirty="0" smtClean="0">
+                <a:latin typeface="a옛날목욕탕L" pitchFamily="18" charset="-127"/>
+                <a:ea typeface="a옛날목욕탕L" pitchFamily="18" charset="-127"/>
+              </a:rPr>
+              <a:t>Set an explicit application package name that limits the components this Intent will resolve to.</a:t>
+            </a:r>
+            <a:endParaRPr lang="ko-KR" altLang="en-US" sz="4400" dirty="0">
+              <a:latin typeface="a옛날목욕탕L" pitchFamily="18" charset="-127"/>
+              <a:ea typeface="a옛날목욕탕L" pitchFamily="18" charset="-127"/>
+            </a:endParaRPr>
+          </a:p>
+        </p:txBody>
+      </p:sp>
+    </p:spTree>
+  </p:cSld>
+  <p:clrMapOvr>
+    <a:masterClrMapping/>
+  </p:clrMapOvr>
+  <p:timing>
+    <p:tnLst>
+      <p:par>
+        <p:cTn id="1" dur="indefinite" restart="never" nodeType="tmRoot"/>
+      </p:par>
+    </p:tnLst>
+  </p:timing>
+</p:sld>
+</file>
+
+<file path=ppt/slides/slide39.xml><?xml version="1.0" encoding="utf-8"?>
+<p:sld xmlns:a="http://schemas.openxmlformats.org/drawingml/2006/main" xmlns:r="http://schemas.openxmlformats.org/officeDocument/2006/relationships" xmlns:p="http://schemas.openxmlformats.org/presentationml/2006/main">
+  <p:cSld>
+    <p:spTree>
+      <p:nvGrpSpPr>
+        <p:cNvPr id="1" name=""/>
+        <p:cNvGrpSpPr/>
+        <p:nvPr/>
+      </p:nvGrpSpPr>
+      <p:grpSpPr>
+        <a:xfrm>
+          <a:off x="0" y="0"/>
+          <a:ext cx="0" cy="0"/>
+          <a:chOff x="0" y="0"/>
+          <a:chExt cx="0" cy="0"/>
+        </a:xfrm>
+      </p:grpSpPr>
+      <p:grpSp>
+        <p:nvGrpSpPr>
+          <p:cNvPr id="2" name="그룹 15"/>
+          <p:cNvGrpSpPr/>
+          <p:nvPr/>
+        </p:nvGrpSpPr>
+        <p:grpSpPr>
+          <a:xfrm>
+            <a:off x="-1188290" y="6300792"/>
+            <a:ext cx="12041683" cy="576064"/>
+            <a:chOff x="-1188290" y="6291267"/>
+            <a:chExt cx="12041683" cy="576064"/>
+          </a:xfrm>
+        </p:grpSpPr>
+        <p:pic>
+          <p:nvPicPr>
+            <p:cNvPr id="5" name="Picture 2" descr="D:\worldfriends_IT_lecture\korea.png"/>
+            <p:cNvPicPr>
+              <a:picLocks noChangeAspect="1" noChangeArrowheads="1"/>
+            </p:cNvPicPr>
+            <p:nvPr/>
+          </p:nvPicPr>
+          <p:blipFill>
+            <a:blip r:embed="rId2" cstate="print"/>
+            <a:srcRect/>
+            <a:stretch>
+              <a:fillRect/>
+            </a:stretch>
+          </p:blipFill>
+          <p:spPr bwMode="auto">
+            <a:xfrm>
+              <a:off x="-1188290" y="6319292"/>
+              <a:ext cx="6048322" cy="538708"/>
+            </a:xfrm>
+            <a:prstGeom prst="rect">
+              <a:avLst/>
+            </a:prstGeom>
+            <a:noFill/>
+          </p:spPr>
+        </p:pic>
+        <p:pic>
+          <p:nvPicPr>
+            <p:cNvPr id="6" name="Picture 3" descr="D:\worldfriends_IT_lecture\uzbek.png"/>
+            <p:cNvPicPr>
+              <a:picLocks noChangeAspect="1" noChangeArrowheads="1"/>
+            </p:cNvPicPr>
+            <p:nvPr/>
+          </p:nvPicPr>
+          <p:blipFill>
+            <a:blip r:embed="rId3" cstate="print"/>
+            <a:srcRect/>
+            <a:stretch>
+              <a:fillRect/>
+            </a:stretch>
+          </p:blipFill>
+          <p:spPr bwMode="auto">
+            <a:xfrm>
+              <a:off x="4860032" y="6291267"/>
+              <a:ext cx="5993361" cy="576064"/>
+            </a:xfrm>
+            <a:prstGeom prst="rect">
+              <a:avLst/>
+            </a:prstGeom>
+            <a:noFill/>
+          </p:spPr>
+        </p:pic>
+      </p:grpSp>
+      <p:pic>
+        <p:nvPicPr>
+          <p:cNvPr id="7" name="Picture 2"/>
+          <p:cNvPicPr>
+            <a:picLocks noChangeAspect="1" noChangeArrowheads="1"/>
+          </p:cNvPicPr>
+          <p:nvPr/>
+        </p:nvPicPr>
+        <p:blipFill>
+          <a:blip r:embed="rId4" cstate="print"/>
+          <a:srcRect/>
+          <a:stretch>
+            <a:fillRect/>
+          </a:stretch>
+        </p:blipFill>
+        <p:spPr bwMode="auto">
+          <a:xfrm>
+            <a:off x="141780" y="2132856"/>
+            <a:ext cx="9002220" cy="2304256"/>
+          </a:xfrm>
+          <a:prstGeom prst="rect">
+            <a:avLst/>
+          </a:prstGeom>
+          <a:noFill/>
+          <a:ln w="9525">
+            <a:noFill/>
+            <a:miter lim="800000"/>
+            <a:headEnd/>
+            <a:tailEnd/>
+          </a:ln>
+        </p:spPr>
+      </p:pic>
+      <p:sp>
+        <p:nvSpPr>
+          <p:cNvPr id="8" name="직사각형 7"/>
+          <p:cNvSpPr/>
+          <p:nvPr/>
+        </p:nvSpPr>
+        <p:spPr>
+          <a:xfrm>
+            <a:off x="0" y="4005064"/>
+            <a:ext cx="9144000" cy="432048"/>
+          </a:xfrm>
+          <a:prstGeom prst="rect">
+            <a:avLst/>
+          </a:prstGeom>
+          <a:solidFill>
+            <a:schemeClr val="bg1">
+              <a:alpha val="83000"/>
+            </a:schemeClr>
+          </a:solidFill>
+          <a:ln>
+            <a:noFill/>
+          </a:ln>
+        </p:spPr>
+        <p:style>
+          <a:lnRef idx="2">
+            <a:schemeClr val="accent1">
+              <a:shade val="50000"/>
+            </a:schemeClr>
+          </a:lnRef>
+          <a:fillRef idx="1">
+            <a:schemeClr val="accent1"/>
+          </a:fillRef>
+          <a:effectRef idx="0">
+            <a:schemeClr val="accent1"/>
+          </a:effectRef>
+          <a:fontRef idx="minor">
+            <a:schemeClr val="lt1"/>
+          </a:fontRef>
+        </p:style>
+        <p:txBody>
+          <a:bodyPr rtlCol="0" anchor="ctr"/>
+          <a:lstStyle/>
+          <a:p>
+            <a:pPr algn="ctr"/>
+            <a:endParaRPr lang="ko-KR" altLang="en-US"/>
+          </a:p>
+        </p:txBody>
+      </p:sp>
+      <p:sp>
+        <p:nvSpPr>
+          <p:cNvPr id="9" name="직사각형 8"/>
+          <p:cNvSpPr/>
+          <p:nvPr/>
+        </p:nvSpPr>
+        <p:spPr>
+          <a:xfrm>
+            <a:off x="0" y="2132856"/>
+            <a:ext cx="9144000" cy="1152128"/>
+          </a:xfrm>
+          <a:prstGeom prst="rect">
+            <a:avLst/>
+          </a:prstGeom>
+          <a:solidFill>
+            <a:schemeClr val="bg1">
+              <a:alpha val="83000"/>
+            </a:schemeClr>
+          </a:solidFill>
+          <a:ln>
+            <a:noFill/>
+          </a:ln>
+        </p:spPr>
+        <p:style>
+          <a:lnRef idx="2">
+            <a:schemeClr val="accent1">
+              <a:shade val="50000"/>
+            </a:schemeClr>
+          </a:lnRef>
+          <a:fillRef idx="1">
+            <a:schemeClr val="accent1"/>
+          </a:fillRef>
+          <a:effectRef idx="0">
+            <a:schemeClr val="accent1"/>
+          </a:effectRef>
+          <a:fontRef idx="minor">
+            <a:schemeClr val="lt1"/>
+          </a:fontRef>
+        </p:style>
+        <p:txBody>
+          <a:bodyPr rtlCol="0" anchor="ctr"/>
+          <a:lstStyle/>
+          <a:p>
+            <a:pPr algn="ctr"/>
+            <a:endParaRPr lang="ko-KR" altLang="en-US"/>
+          </a:p>
+        </p:txBody>
+      </p:sp>
+      <p:sp>
+        <p:nvSpPr>
+          <p:cNvPr id="10" name="직사각형 9"/>
+          <p:cNvSpPr/>
+          <p:nvPr/>
+        </p:nvSpPr>
+        <p:spPr>
+          <a:xfrm>
+            <a:off x="683568" y="1772816"/>
+            <a:ext cx="7725192" cy="769441"/>
+          </a:xfrm>
+          <a:prstGeom prst="rect">
+            <a:avLst/>
+          </a:prstGeom>
+        </p:spPr>
+        <p:txBody>
+          <a:bodyPr wrap="none">
+            <a:spAutoFit/>
+          </a:bodyPr>
+          <a:lstStyle/>
+          <a:p>
+            <a:r>
+              <a:rPr lang="en-US" altLang="ko-KR" sz="4400" dirty="0" smtClean="0">
+                <a:latin typeface="a옛날목욕탕L" pitchFamily="18" charset="-127"/>
+                <a:ea typeface="a옛날목욕탕L" pitchFamily="18" charset="-127"/>
+              </a:rPr>
+              <a:t>Set an explicit MIME data type.</a:t>
+            </a:r>
+            <a:endParaRPr lang="ko-KR" altLang="en-US" sz="4400" dirty="0">
+              <a:latin typeface="a옛날목욕탕L" pitchFamily="18" charset="-127"/>
+              <a:ea typeface="a옛날목욕탕L" pitchFamily="18" charset="-127"/>
+            </a:endParaRPr>
+          </a:p>
+        </p:txBody>
+      </p:sp>
+    </p:spTree>
+  </p:cSld>
+  <p:clrMapOvr>
+    <a:masterClrMapping/>
+  </p:clrMapOvr>
+  <p:timing>
+    <p:tnLst>
+      <p:par>
+        <p:cTn id="1" dur="indefinite" restart="never" nodeType="tmRoot"/>
+      </p:par>
+    </p:tnLst>
+  </p:timing>
+</p:sld>
+</file>
+
+<file path=ppt/slides/slide4.xml><?xml version="1.0" encoding="utf-8"?>
+<p:sld xmlns:a="http://schemas.openxmlformats.org/drawingml/2006/main" xmlns:r="http://schemas.openxmlformats.org/officeDocument/2006/relationships" xmlns:p="http://schemas.openxmlformats.org/presentationml/2006/main">
+  <p:cSld>
+    <p:spTree>
+      <p:nvGrpSpPr>
+        <p:cNvPr id="1" name=""/>
+        <p:cNvGrpSpPr/>
+        <p:nvPr/>
+      </p:nvGrpSpPr>
+      <p:grpSpPr>
+        <a:xfrm>
+          <a:off x="0" y="0"/>
+          <a:ext cx="0" cy="0"/>
+          <a:chOff x="0" y="0"/>
+          <a:chExt cx="0" cy="0"/>
+        </a:xfrm>
+      </p:grpSpPr>
+      <p:sp>
+        <p:nvSpPr>
+          <p:cNvPr id="17" name="제목 1"/>
+          <p:cNvSpPr txBox="1">
+            <a:spLocks/>
+          </p:cNvSpPr>
+          <p:nvPr/>
+        </p:nvSpPr>
+        <p:spPr>
+          <a:xfrm>
+            <a:off x="-1016" y="2924944"/>
+            <a:ext cx="9145016" cy="854360"/>
+          </a:xfrm>
+          <a:prstGeom prst="rect">
+            <a:avLst/>
+          </a:prstGeom>
+          <a:ln w="38100">
+            <a:noFill/>
+          </a:ln>
+        </p:spPr>
+        <p:txBody>
+          <a:bodyPr vert="horz" lIns="91440" tIns="45720" rIns="91440" bIns="45720" rtlCol="0" anchor="ctr">
+            <a:normAutofit/>
+          </a:bodyPr>
+          <a:lstStyle/>
+          <a:p>
+            <a:pPr algn="ctr"/>
+            <a:r>
+              <a:rPr lang="en-US" altLang="ko-KR" sz="4400" b="1" dirty="0" smtClean="0">
+                <a:latin typeface="Courier New" pitchFamily="49" charset="0"/>
+                <a:ea typeface="a옛날목욕탕L" pitchFamily="18" charset="-127"/>
+                <a:cs typeface="Courier New" pitchFamily="49" charset="0"/>
+              </a:rPr>
+              <a:t>Intent</a:t>
+            </a:r>
+            <a:endParaRPr lang="ko-KR" altLang="en-US" sz="4400" b="1" dirty="0">
+              <a:latin typeface="Courier New" pitchFamily="49" charset="0"/>
+              <a:cs typeface="Courier New" pitchFamily="49" charset="0"/>
+            </a:endParaRPr>
+          </a:p>
+        </p:txBody>
+      </p:sp>
+      <p:grpSp>
+        <p:nvGrpSpPr>
+          <p:cNvPr id="2" name="그룹 17"/>
+          <p:cNvGrpSpPr/>
+          <p:nvPr/>
+        </p:nvGrpSpPr>
+        <p:grpSpPr>
+          <a:xfrm>
+            <a:off x="3131840" y="2955856"/>
+            <a:ext cx="360041" cy="864096"/>
+            <a:chOff x="2915815" y="2708920"/>
+            <a:chExt cx="360041" cy="1298376"/>
+          </a:xfrm>
+          <a:solidFill>
+            <a:schemeClr val="tx1"/>
+          </a:solidFill>
+        </p:grpSpPr>
+        <p:sp>
+          <p:nvSpPr>
+            <p:cNvPr id="19" name="순서도: 처리 18"/>
+            <p:cNvSpPr/>
+            <p:nvPr/>
+          </p:nvSpPr>
+          <p:spPr>
+            <a:xfrm>
+              <a:off x="2915816" y="2708920"/>
+              <a:ext cx="360040" cy="174250"/>
+            </a:xfrm>
+            <a:prstGeom prst="flowChartProcess">
+              <a:avLst/>
+            </a:prstGeom>
+            <a:grpFill/>
+            <a:ln>
+              <a:noFill/>
+            </a:ln>
+          </p:spPr>
+          <p:style>
+            <a:lnRef idx="2">
+              <a:schemeClr val="accent1">
+                <a:shade val="50000"/>
+              </a:schemeClr>
+            </a:lnRef>
+            <a:fillRef idx="1">
+              <a:schemeClr val="accent1"/>
+            </a:fillRef>
+            <a:effectRef idx="0">
+              <a:schemeClr val="accent1"/>
+            </a:effectRef>
+            <a:fontRef idx="minor">
+              <a:schemeClr val="lt1"/>
+            </a:fontRef>
+          </p:style>
+          <p:txBody>
+            <a:bodyPr rtlCol="0" anchor="ctr"/>
+            <a:lstStyle/>
+            <a:p>
+              <a:pPr algn="ctr"/>
+              <a:endParaRPr lang="ko-KR" altLang="en-US"/>
+            </a:p>
+          </p:txBody>
+        </p:sp>
+        <p:sp>
+          <p:nvSpPr>
+            <p:cNvPr id="20" name="순서도: 처리 19"/>
+            <p:cNvSpPr/>
+            <p:nvPr/>
+          </p:nvSpPr>
+          <p:spPr>
+            <a:xfrm>
+              <a:off x="2915815" y="2708920"/>
+              <a:ext cx="132861" cy="1296144"/>
+            </a:xfrm>
+            <a:prstGeom prst="flowChartProcess">
+              <a:avLst/>
+            </a:prstGeom>
+            <a:grpFill/>
+            <a:ln>
+              <a:noFill/>
+            </a:ln>
+          </p:spPr>
+          <p:style>
+            <a:lnRef idx="2">
+              <a:schemeClr val="accent1">
+                <a:shade val="50000"/>
+              </a:schemeClr>
+            </a:lnRef>
+            <a:fillRef idx="1">
+              <a:schemeClr val="accent1"/>
+            </a:fillRef>
+            <a:effectRef idx="0">
+              <a:schemeClr val="accent1"/>
+            </a:effectRef>
+            <a:fontRef idx="minor">
+              <a:schemeClr val="lt1"/>
+            </a:fontRef>
+          </p:style>
+          <p:txBody>
+            <a:bodyPr rtlCol="0" anchor="ctr"/>
+            <a:lstStyle/>
+            <a:p>
+              <a:pPr algn="ctr"/>
+              <a:endParaRPr lang="ko-KR" altLang="en-US"/>
+            </a:p>
+          </p:txBody>
+        </p:sp>
+        <p:sp>
+          <p:nvSpPr>
+            <p:cNvPr id="21" name="순서도: 처리 20"/>
+            <p:cNvSpPr/>
+            <p:nvPr/>
+          </p:nvSpPr>
+          <p:spPr>
+            <a:xfrm>
+              <a:off x="2915816" y="3832525"/>
+              <a:ext cx="360040" cy="174771"/>
+            </a:xfrm>
+            <a:prstGeom prst="flowChartProcess">
+              <a:avLst/>
+            </a:prstGeom>
+            <a:grpFill/>
+            <a:ln>
+              <a:noFill/>
+            </a:ln>
+          </p:spPr>
+          <p:style>
+            <a:lnRef idx="2">
+              <a:schemeClr val="accent1">
+                <a:shade val="50000"/>
+              </a:schemeClr>
+            </a:lnRef>
+            <a:fillRef idx="1">
+              <a:schemeClr val="accent1"/>
+            </a:fillRef>
+            <a:effectRef idx="0">
+              <a:schemeClr val="accent1"/>
+            </a:effectRef>
+            <a:fontRef idx="minor">
+              <a:schemeClr val="lt1"/>
+            </a:fontRef>
+          </p:style>
+          <p:txBody>
+            <a:bodyPr rtlCol="0" anchor="ctr"/>
+            <a:lstStyle/>
+            <a:p>
+              <a:pPr algn="ctr"/>
+              <a:endParaRPr lang="ko-KR" altLang="en-US"/>
+            </a:p>
+          </p:txBody>
+        </p:sp>
+      </p:grpSp>
+      <p:grpSp>
+        <p:nvGrpSpPr>
+          <p:cNvPr id="3" name="그룹 21"/>
+          <p:cNvGrpSpPr/>
+          <p:nvPr/>
+        </p:nvGrpSpPr>
+        <p:grpSpPr>
+          <a:xfrm flipH="1">
+            <a:off x="5631572" y="2958246"/>
+            <a:ext cx="360040" cy="864096"/>
+            <a:chOff x="2915815" y="2708920"/>
+            <a:chExt cx="360041" cy="1298376"/>
+          </a:xfrm>
+          <a:solidFill>
+            <a:schemeClr val="tx1"/>
+          </a:solidFill>
+        </p:grpSpPr>
+        <p:sp>
+          <p:nvSpPr>
+            <p:cNvPr id="23" name="순서도: 처리 22"/>
+            <p:cNvSpPr/>
+            <p:nvPr/>
+          </p:nvSpPr>
+          <p:spPr>
+            <a:xfrm>
+              <a:off x="2915816" y="2708920"/>
+              <a:ext cx="360040" cy="174250"/>
+            </a:xfrm>
+            <a:prstGeom prst="flowChartProcess">
+              <a:avLst/>
+            </a:prstGeom>
+            <a:grpFill/>
+            <a:ln>
+              <a:noFill/>
+            </a:ln>
+          </p:spPr>
+          <p:style>
+            <a:lnRef idx="2">
+              <a:schemeClr val="accent1">
+                <a:shade val="50000"/>
+              </a:schemeClr>
+            </a:lnRef>
+            <a:fillRef idx="1">
+              <a:schemeClr val="accent1"/>
+            </a:fillRef>
+            <a:effectRef idx="0">
+              <a:schemeClr val="accent1"/>
+            </a:effectRef>
+            <a:fontRef idx="minor">
+              <a:schemeClr val="lt1"/>
+            </a:fontRef>
+          </p:style>
+          <p:txBody>
+            <a:bodyPr rtlCol="0" anchor="ctr"/>
+            <a:lstStyle/>
+            <a:p>
+              <a:pPr algn="ctr"/>
+              <a:endParaRPr lang="ko-KR" altLang="en-US"/>
+            </a:p>
+          </p:txBody>
+        </p:sp>
+        <p:sp>
+          <p:nvSpPr>
+            <p:cNvPr id="24" name="순서도: 처리 23"/>
+            <p:cNvSpPr/>
+            <p:nvPr/>
+          </p:nvSpPr>
+          <p:spPr>
+            <a:xfrm>
+              <a:off x="2915815" y="2708920"/>
+              <a:ext cx="132861" cy="1296144"/>
+            </a:xfrm>
+            <a:prstGeom prst="flowChartProcess">
+              <a:avLst/>
+            </a:prstGeom>
+            <a:grpFill/>
+            <a:ln>
+              <a:noFill/>
+            </a:ln>
+          </p:spPr>
+          <p:style>
+            <a:lnRef idx="2">
+              <a:schemeClr val="accent1">
+                <a:shade val="50000"/>
+              </a:schemeClr>
+            </a:lnRef>
+            <a:fillRef idx="1">
+              <a:schemeClr val="accent1"/>
+            </a:fillRef>
+            <a:effectRef idx="0">
+              <a:schemeClr val="accent1"/>
+            </a:effectRef>
+            <a:fontRef idx="minor">
+              <a:schemeClr val="lt1"/>
+            </a:fontRef>
+          </p:style>
+          <p:txBody>
+            <a:bodyPr rtlCol="0" anchor="ctr"/>
+            <a:lstStyle/>
+            <a:p>
+              <a:pPr algn="ctr"/>
+              <a:endParaRPr lang="ko-KR" altLang="en-US"/>
+            </a:p>
+          </p:txBody>
+        </p:sp>
+        <p:sp>
+          <p:nvSpPr>
+            <p:cNvPr id="25" name="순서도: 처리 24"/>
+            <p:cNvSpPr/>
+            <p:nvPr/>
+          </p:nvSpPr>
+          <p:spPr>
+            <a:xfrm>
+              <a:off x="2915816" y="3832525"/>
+              <a:ext cx="360040" cy="174771"/>
+            </a:xfrm>
+            <a:prstGeom prst="flowChartProcess">
+              <a:avLst/>
+            </a:prstGeom>
+            <a:grpFill/>
+            <a:ln>
+              <a:noFill/>
+            </a:ln>
+          </p:spPr>
+          <p:style>
+            <a:lnRef idx="2">
+              <a:schemeClr val="accent1">
+                <a:shade val="50000"/>
+              </a:schemeClr>
+            </a:lnRef>
+            <a:fillRef idx="1">
+              <a:schemeClr val="accent1"/>
+            </a:fillRef>
+            <a:effectRef idx="0">
+              <a:schemeClr val="accent1"/>
+            </a:effectRef>
+            <a:fontRef idx="minor">
+              <a:schemeClr val="lt1"/>
+            </a:fontRef>
+          </p:style>
+          <p:txBody>
+            <a:bodyPr rtlCol="0" anchor="ctr"/>
+            <a:lstStyle/>
+            <a:p>
+              <a:pPr algn="ctr"/>
+              <a:endParaRPr lang="ko-KR" altLang="en-US"/>
+            </a:p>
+          </p:txBody>
+        </p:sp>
+      </p:grpSp>
+      <p:grpSp>
+        <p:nvGrpSpPr>
+          <p:cNvPr id="4" name="그룹 15"/>
+          <p:cNvGrpSpPr/>
+          <p:nvPr/>
+        </p:nvGrpSpPr>
+        <p:grpSpPr>
+          <a:xfrm>
+            <a:off x="-1188290" y="6300792"/>
+            <a:ext cx="12041683" cy="576064"/>
+            <a:chOff x="-1188290" y="6291267"/>
+            <a:chExt cx="12041683" cy="576064"/>
+          </a:xfrm>
+        </p:grpSpPr>
+        <p:pic>
+          <p:nvPicPr>
+            <p:cNvPr id="26" name="Picture 2" descr="D:\worldfriends_IT_lecture\korea.png"/>
+            <p:cNvPicPr>
+              <a:picLocks noChangeAspect="1" noChangeArrowheads="1"/>
+            </p:cNvPicPr>
+            <p:nvPr/>
+          </p:nvPicPr>
+          <p:blipFill>
+            <a:blip r:embed="rId2" cstate="print"/>
+            <a:srcRect/>
+            <a:stretch>
+              <a:fillRect/>
+            </a:stretch>
+          </p:blipFill>
+          <p:spPr bwMode="auto">
+            <a:xfrm>
+              <a:off x="-1188290" y="6319292"/>
+              <a:ext cx="6048322" cy="538708"/>
+            </a:xfrm>
+            <a:prstGeom prst="rect">
+              <a:avLst/>
+            </a:prstGeom>
+            <a:noFill/>
+          </p:spPr>
+        </p:pic>
+        <p:pic>
+          <p:nvPicPr>
+            <p:cNvPr id="27" name="Picture 3" descr="D:\worldfriends_IT_lecture\uzbek.png"/>
+            <p:cNvPicPr>
+              <a:picLocks noChangeAspect="1" noChangeArrowheads="1"/>
+            </p:cNvPicPr>
+            <p:nvPr/>
+          </p:nvPicPr>
+          <p:blipFill>
+            <a:blip r:embed="rId3" cstate="print"/>
+            <a:srcRect/>
+            <a:stretch>
+              <a:fillRect/>
+            </a:stretch>
+          </p:blipFill>
+          <p:spPr bwMode="auto">
+            <a:xfrm>
+              <a:off x="4860032" y="6291267"/>
+              <a:ext cx="5993361" cy="576064"/>
+            </a:xfrm>
+            <a:prstGeom prst="rect">
+              <a:avLst/>
+            </a:prstGeom>
+            <a:noFill/>
+          </p:spPr>
+        </p:pic>
+      </p:grpSp>
+    </p:spTree>
+  </p:cSld>
+  <p:clrMapOvr>
+    <a:masterClrMapping/>
+  </p:clrMapOvr>
+  <p:transition>
+    <p:fade/>
+  </p:transition>
+  <p:timing>
+    <p:tnLst>
+      <p:par>
+        <p:cTn id="1" dur="indefinite" restart="never" nodeType="tmRoot"/>
+      </p:par>
+    </p:tnLst>
+  </p:timing>
+</p:sld>
+</file>
+
+<file path=ppt/slides/slide40.xml><?xml version="1.0" encoding="utf-8"?>
+<p:sld xmlns:a="http://schemas.openxmlformats.org/drawingml/2006/main" xmlns:r="http://schemas.openxmlformats.org/officeDocument/2006/relationships" xmlns:p="http://schemas.openxmlformats.org/presentationml/2006/main">
+  <p:cSld>
+    <p:spTree>
+      <p:nvGrpSpPr>
+        <p:cNvPr id="1" name=""/>
+        <p:cNvGrpSpPr/>
+        <p:nvPr/>
+      </p:nvGrpSpPr>
+      <p:grpSpPr>
+        <a:xfrm>
+          <a:off x="0" y="0"/>
+          <a:ext cx="0" cy="0"/>
+          <a:chOff x="0" y="0"/>
+          <a:chExt cx="0" cy="0"/>
+        </a:xfrm>
+      </p:grpSpPr>
+      <p:grpSp>
+        <p:nvGrpSpPr>
+          <p:cNvPr id="2" name="그룹 15"/>
+          <p:cNvGrpSpPr/>
+          <p:nvPr/>
+        </p:nvGrpSpPr>
+        <p:grpSpPr>
+          <a:xfrm>
+            <a:off x="-1188290" y="6300792"/>
+            <a:ext cx="12041683" cy="576064"/>
+            <a:chOff x="-1188290" y="6291267"/>
+            <a:chExt cx="12041683" cy="576064"/>
+          </a:xfrm>
+        </p:grpSpPr>
+        <p:pic>
+          <p:nvPicPr>
+            <p:cNvPr id="5" name="Picture 2" descr="D:\worldfriends_IT_lecture\korea.png"/>
+            <p:cNvPicPr>
+              <a:picLocks noChangeAspect="1" noChangeArrowheads="1"/>
+            </p:cNvPicPr>
+            <p:nvPr/>
+          </p:nvPicPr>
+          <p:blipFill>
+            <a:blip r:embed="rId2" cstate="print"/>
+            <a:srcRect/>
+            <a:stretch>
+              <a:fillRect/>
+            </a:stretch>
+          </p:blipFill>
+          <p:spPr bwMode="auto">
+            <a:xfrm>
+              <a:off x="-1188290" y="6319292"/>
+              <a:ext cx="6048322" cy="538708"/>
+            </a:xfrm>
+            <a:prstGeom prst="rect">
+              <a:avLst/>
+            </a:prstGeom>
+            <a:noFill/>
+          </p:spPr>
+        </p:pic>
+        <p:pic>
+          <p:nvPicPr>
+            <p:cNvPr id="6" name="Picture 3" descr="D:\worldfriends_IT_lecture\uzbek.png"/>
+            <p:cNvPicPr>
+              <a:picLocks noChangeAspect="1" noChangeArrowheads="1"/>
+            </p:cNvPicPr>
+            <p:nvPr/>
+          </p:nvPicPr>
+          <p:blipFill>
+            <a:blip r:embed="rId3" cstate="print"/>
+            <a:srcRect/>
+            <a:stretch>
+              <a:fillRect/>
+            </a:stretch>
+          </p:blipFill>
+          <p:spPr bwMode="auto">
+            <a:xfrm>
+              <a:off x="4860032" y="6291267"/>
+              <a:ext cx="5993361" cy="576064"/>
+            </a:xfrm>
+            <a:prstGeom prst="rect">
+              <a:avLst/>
+            </a:prstGeom>
+            <a:noFill/>
+          </p:spPr>
+        </p:pic>
+      </p:grpSp>
+      <p:pic>
+        <p:nvPicPr>
+          <p:cNvPr id="7" name="Picture 2"/>
+          <p:cNvPicPr>
+            <a:picLocks noChangeAspect="1" noChangeArrowheads="1"/>
+          </p:cNvPicPr>
+          <p:nvPr/>
+        </p:nvPicPr>
+        <p:blipFill>
+          <a:blip r:embed="rId4" cstate="print"/>
+          <a:srcRect/>
+          <a:stretch>
+            <a:fillRect/>
+          </a:stretch>
+        </p:blipFill>
+        <p:spPr bwMode="auto">
+          <a:xfrm>
+            <a:off x="141780" y="2132856"/>
+            <a:ext cx="9002220" cy="2304256"/>
+          </a:xfrm>
+          <a:prstGeom prst="rect">
+            <a:avLst/>
+          </a:prstGeom>
+          <a:noFill/>
+          <a:ln w="9525">
+            <a:noFill/>
+            <a:miter lim="800000"/>
+            <a:headEnd/>
+            <a:tailEnd/>
+          </a:ln>
+        </p:spPr>
+      </p:pic>
+      <p:sp>
+        <p:nvSpPr>
+          <p:cNvPr id="9" name="직사각형 8"/>
+          <p:cNvSpPr/>
+          <p:nvPr/>
+        </p:nvSpPr>
+        <p:spPr>
+          <a:xfrm>
+            <a:off x="0" y="2132856"/>
+            <a:ext cx="9144000" cy="1944216"/>
+          </a:xfrm>
+          <a:prstGeom prst="rect">
+            <a:avLst/>
+          </a:prstGeom>
+          <a:solidFill>
+            <a:schemeClr val="bg1">
+              <a:alpha val="83000"/>
+            </a:schemeClr>
+          </a:solidFill>
+          <a:ln>
+            <a:noFill/>
+          </a:ln>
+        </p:spPr>
+        <p:style>
+          <a:lnRef idx="2">
+            <a:schemeClr val="accent1">
+              <a:shade val="50000"/>
+            </a:schemeClr>
+          </a:lnRef>
+          <a:fillRef idx="1">
+            <a:schemeClr val="accent1"/>
+          </a:fillRef>
+          <a:effectRef idx="0">
+            <a:schemeClr val="accent1"/>
+          </a:effectRef>
+          <a:fontRef idx="minor">
+            <a:schemeClr val="lt1"/>
+          </a:fontRef>
+        </p:style>
+        <p:txBody>
+          <a:bodyPr rtlCol="0" anchor="ctr"/>
+          <a:lstStyle/>
+          <a:p>
+            <a:pPr algn="ctr"/>
+            <a:endParaRPr lang="ko-KR" altLang="en-US"/>
+          </a:p>
+        </p:txBody>
+      </p:sp>
+      <p:sp>
+        <p:nvSpPr>
+          <p:cNvPr id="10" name="직사각형 9"/>
+          <p:cNvSpPr/>
+          <p:nvPr/>
+        </p:nvSpPr>
+        <p:spPr>
+          <a:xfrm>
+            <a:off x="179512" y="404664"/>
+            <a:ext cx="8784976" cy="1446550"/>
+          </a:xfrm>
+          <a:prstGeom prst="rect">
+            <a:avLst/>
+          </a:prstGeom>
+        </p:spPr>
+        <p:txBody>
+          <a:bodyPr wrap="square">
+            <a:spAutoFit/>
+          </a:bodyPr>
+          <a:lstStyle/>
+          <a:p>
+            <a:pPr lvl="0" fontAlgn="base">
+              <a:spcBef>
+                <a:spcPct val="0"/>
+              </a:spcBef>
+              <a:spcAft>
+                <a:spcPct val="0"/>
+              </a:spcAft>
+            </a:pPr>
+            <a:r>
+              <a:rPr kumimoji="1" lang="ko-KR" altLang="ko-KR" sz="4400" dirty="0" smtClean="0">
+                <a:latin typeface="a옛날목욕탕L" pitchFamily="18" charset="-127"/>
+                <a:ea typeface="a옛날목욕탕L" pitchFamily="18" charset="-127"/>
+                <a:cs typeface="굴림" pitchFamily="50" charset="-127"/>
+              </a:rPr>
+              <a:t>Convenience function for creating a </a:t>
+            </a:r>
+            <a:r>
+              <a:rPr kumimoji="1" lang="ko-KR" altLang="ko-KR" sz="4000" b="1" i="1" dirty="0" smtClean="0">
+                <a:solidFill>
+                  <a:srgbClr val="7030A0"/>
+                </a:solidFill>
+                <a:latin typeface="Courier New" pitchFamily="49" charset="0"/>
+                <a:ea typeface="a옛날목욕탕L" pitchFamily="18" charset="-127"/>
+                <a:cs typeface="Courier New" pitchFamily="49" charset="0"/>
+              </a:rPr>
+              <a:t>ACTION_CHOOSER</a:t>
+            </a:r>
+            <a:r>
+              <a:rPr kumimoji="1" lang="ko-KR" altLang="ko-KR" sz="4400" dirty="0" smtClean="0">
+                <a:latin typeface="a옛날목욕탕L" pitchFamily="18" charset="-127"/>
+                <a:ea typeface="a옛날목욕탕L" pitchFamily="18" charset="-127"/>
+                <a:cs typeface="굴림" pitchFamily="50" charset="-127"/>
+              </a:rPr>
+              <a:t> Intent.</a:t>
+            </a:r>
+            <a:r>
+              <a:rPr kumimoji="1" lang="ko-KR" altLang="ko-KR" sz="800" dirty="0" smtClean="0">
+                <a:latin typeface="a옛날목욕탕L" pitchFamily="18" charset="-127"/>
+                <a:ea typeface="a옛날목욕탕L" pitchFamily="18" charset="-127"/>
+                <a:cs typeface="굴림" pitchFamily="50" charset="-127"/>
+              </a:rPr>
+              <a:t> </a:t>
+            </a:r>
+            <a:endParaRPr kumimoji="1" lang="ko-KR" altLang="ko-KR" sz="8000" dirty="0" smtClean="0">
+              <a:latin typeface="a옛날목욕탕L" pitchFamily="18" charset="-127"/>
+              <a:ea typeface="a옛날목욕탕L" pitchFamily="18" charset="-127"/>
+              <a:cs typeface="굴림" pitchFamily="50" charset="-127"/>
+            </a:endParaRPr>
+          </a:p>
+        </p:txBody>
+      </p:sp>
+    </p:spTree>
+  </p:cSld>
+  <p:clrMapOvr>
+    <a:masterClrMapping/>
+  </p:clrMapOvr>
+  <p:timing>
+    <p:tnLst>
+      <p:par>
+        <p:cTn id="1" dur="indefinite" restart="never" nodeType="tmRoot"/>
+      </p:par>
+    </p:tnLst>
+  </p:timing>
+</p:sld>
+</file>
+
+<file path=ppt/slides/slide41.xml><?xml version="1.0" encoding="utf-8"?>
+<p:sld xmlns:a="http://schemas.openxmlformats.org/drawingml/2006/main" xmlns:r="http://schemas.openxmlformats.org/officeDocument/2006/relationships" xmlns:p="http://schemas.openxmlformats.org/presentationml/2006/main">
+  <p:cSld>
+    <p:spTree>
+      <p:nvGrpSpPr>
+        <p:cNvPr id="1" name=""/>
+        <p:cNvGrpSpPr/>
+        <p:nvPr/>
+      </p:nvGrpSpPr>
+      <p:grpSpPr>
+        <a:xfrm>
+          <a:off x="0" y="0"/>
+          <a:ext cx="0" cy="0"/>
+          <a:chOff x="0" y="0"/>
+          <a:chExt cx="0" cy="0"/>
+        </a:xfrm>
+      </p:grpSpPr>
+      <p:sp>
+        <p:nvSpPr>
+          <p:cNvPr id="4" name="직사각형 3"/>
+          <p:cNvSpPr/>
+          <p:nvPr/>
+        </p:nvSpPr>
+        <p:spPr>
+          <a:xfrm>
+            <a:off x="0" y="4509120"/>
+            <a:ext cx="9144000" cy="523220"/>
+          </a:xfrm>
+          <a:prstGeom prst="rect">
+            <a:avLst/>
+          </a:prstGeom>
+        </p:spPr>
+        <p:txBody>
+          <a:bodyPr wrap="square">
+            <a:spAutoFit/>
+          </a:bodyPr>
+          <a:lstStyle/>
+          <a:p>
+            <a:pPr algn="ctr"/>
+            <a:r>
+              <a:rPr lang="en-US" altLang="ko-KR" sz="2800" smtClean="0">
+                <a:latin typeface="나눔손글씨 붓" pitchFamily="66" charset="-127"/>
+                <a:ea typeface="나눔손글씨 붓" pitchFamily="66" charset="-127"/>
+              </a:rPr>
+              <a:t>https://github.com/daehwa/world-friends-Uzbekistan-android/</a:t>
+            </a:r>
+            <a:endParaRPr lang="ko-KR" altLang="en-US" sz="2800">
+              <a:latin typeface="나눔손글씨 붓" pitchFamily="66" charset="-127"/>
+              <a:ea typeface="나눔손글씨 붓" pitchFamily="66" charset="-127"/>
+            </a:endParaRPr>
+          </a:p>
+        </p:txBody>
+      </p:sp>
+      <p:sp>
+        <p:nvSpPr>
+          <p:cNvPr id="5" name="제목 1"/>
+          <p:cNvSpPr txBox="1">
+            <a:spLocks/>
+          </p:cNvSpPr>
+          <p:nvPr/>
+        </p:nvSpPr>
+        <p:spPr>
+          <a:xfrm>
+            <a:off x="1547664" y="188640"/>
+            <a:ext cx="6048672" cy="854360"/>
+          </a:xfrm>
+          <a:prstGeom prst="rect">
+            <a:avLst/>
+          </a:prstGeom>
+          <a:ln w="38100">
+            <a:noFill/>
+          </a:ln>
+        </p:spPr>
+        <p:txBody>
+          <a:bodyPr vert="horz" lIns="91440" tIns="45720" rIns="91440" bIns="45720" rtlCol="0" anchor="ctr">
+            <a:normAutofit/>
+          </a:bodyPr>
+          <a:lstStyle/>
+          <a:p>
+            <a:pPr marL="0" marR="0" lvl="0" indent="0" algn="ctr" defTabSz="914400" rtl="0" eaLnBrk="1" fontAlgn="auto" latinLnBrk="1" hangingPunct="1">
+              <a:lnSpc>
+                <a:spcPct val="100000"/>
+              </a:lnSpc>
+              <a:spcBef>
+                <a:spcPct val="0"/>
+              </a:spcBef>
+              <a:spcAft>
+                <a:spcPts val="0"/>
+              </a:spcAft>
+              <a:buClrTx/>
+              <a:buSzTx/>
+              <a:buFontTx/>
+              <a:buNone/>
+              <a:tabLst/>
+              <a:defRPr/>
+            </a:pPr>
+            <a:r>
+              <a:rPr kumimoji="0" lang="en-US" altLang="ko-KR" sz="4400" b="0" i="0" u="none" strike="noStrike" kern="1200" cap="none" spc="0" normalizeH="0" baseline="0" noProof="0" smtClean="0">
+                <a:ln>
+                  <a:noFill/>
+                </a:ln>
+                <a:effectLst/>
+                <a:uLnTx/>
+                <a:uFillTx/>
+                <a:latin typeface="a옛날목욕탕L" pitchFamily="18" charset="-127"/>
+                <a:ea typeface="a옛날목욕탕L" pitchFamily="18" charset="-127"/>
+                <a:cs typeface="+mj-cs"/>
+              </a:rPr>
+              <a:t>Download</a:t>
+            </a:r>
+            <a:r>
+              <a:rPr kumimoji="0" lang="en-US" altLang="ko-KR" sz="4400" b="0" i="0" u="none" strike="noStrike" kern="1200" cap="none" spc="0" normalizeH="0" noProof="0" smtClean="0">
+                <a:ln>
+                  <a:noFill/>
+                </a:ln>
+                <a:effectLst/>
+                <a:uLnTx/>
+                <a:uFillTx/>
+                <a:latin typeface="a옛날목욕탕L" pitchFamily="18" charset="-127"/>
+                <a:ea typeface="a옛날목욕탕L" pitchFamily="18" charset="-127"/>
+                <a:cs typeface="+mj-cs"/>
+              </a:rPr>
+              <a:t> skeleton</a:t>
+            </a:r>
+            <a:endParaRPr kumimoji="0" lang="ko-KR" altLang="en-US" sz="4400" b="0" i="0" u="none" strike="noStrike" kern="1200" cap="none" spc="0" normalizeH="0" baseline="0" noProof="0" smtClean="0">
+              <a:ln>
+                <a:noFill/>
+              </a:ln>
+              <a:effectLst/>
+              <a:uLnTx/>
+              <a:uFillTx/>
+              <a:latin typeface="a옛날목욕탕L" pitchFamily="18" charset="-127"/>
+              <a:ea typeface="a옛날목욕탕L" pitchFamily="18" charset="-127"/>
+              <a:cs typeface="+mj-cs"/>
+            </a:endParaRPr>
+          </a:p>
+        </p:txBody>
+      </p:sp>
+      <p:pic>
+        <p:nvPicPr>
+          <p:cNvPr id="44034" name="Picture 2" descr="https://assets-cdn.github.com/images/modules/open_graph/github-mark.png"/>
+          <p:cNvPicPr>
+            <a:picLocks noChangeAspect="1" noChangeArrowheads="1"/>
+          </p:cNvPicPr>
+          <p:nvPr/>
+        </p:nvPicPr>
+        <p:blipFill>
+          <a:blip r:embed="rId2" cstate="print"/>
+          <a:srcRect/>
+          <a:stretch>
+            <a:fillRect/>
+          </a:stretch>
+        </p:blipFill>
+        <p:spPr bwMode="auto">
+          <a:xfrm>
+            <a:off x="2195736" y="1988840"/>
+            <a:ext cx="4699792" cy="2467390"/>
+          </a:xfrm>
+          <a:prstGeom prst="rect">
+            <a:avLst/>
+          </a:prstGeom>
+          <a:noFill/>
+        </p:spPr>
+      </p:pic>
+    </p:spTree>
+  </p:cSld>
+  <p:clrMapOvr>
+    <a:masterClrMapping/>
+  </p:clrMapOvr>
   <p:timing>
     <p:tnLst>
       <p:par>
@@ -15217,6 +17040,13 @@
   <p:clrMapOvr>
     <a:masterClrMapping/>
   </p:clrMapOvr>
+  <p:timing>
+    <p:tnLst>
+      <p:par>
+        <p:cTn id="1" dur="indefinite" restart="never" nodeType="tmRoot"/>
+      </p:par>
+    </p:tnLst>
+  </p:timing>
 </p:sld>
 </file>
 
@@ -16017,7 +17847,7 @@
       </p:grpSp>
       <p:sp>
         <p:nvSpPr>
-          <p:cNvPr id="9" name="제목 1"/>
+          <p:cNvPr id="8" name="제목 1"/>
           <p:cNvSpPr txBox="1">
             <a:spLocks/>
           </p:cNvSpPr>
@@ -16025,8 +17855,8 @@
         </p:nvSpPr>
         <p:spPr>
           <a:xfrm>
-            <a:off x="0" y="72008"/>
-            <a:ext cx="9144000" cy="836712"/>
+            <a:off x="1259632" y="936104"/>
+            <a:ext cx="2051720" cy="836712"/>
           </a:xfrm>
           <a:prstGeom prst="rect">
             <a:avLst/>
@@ -16044,18 +17874,23 @@
             <a:pPr algn="ctr"/>
             <a:r>
               <a:rPr lang="en-US" altLang="ko-KR" sz="3600" dirty="0" smtClean="0">
+                <a:solidFill>
+                  <a:schemeClr val="accent6">
+                    <a:lumMod val="75000"/>
+                  </a:schemeClr>
+                </a:solidFill>
                 <a:latin typeface="a옛날목욕탕L" pitchFamily="18" charset="-127"/>
                 <a:ea typeface="a옛날목욕탕L" pitchFamily="18" charset="-127"/>
                 <a:cs typeface="Courier New" pitchFamily="49" charset="0"/>
               </a:rPr>
-              <a:t>A Little about Thread</a:t>
+              <a:t>Process</a:t>
             </a:r>
           </a:p>
         </p:txBody>
       </p:sp>
       <p:sp>
         <p:nvSpPr>
-          <p:cNvPr id="8" name="제목 1"/>
+          <p:cNvPr id="10" name="제목 1"/>
           <p:cNvSpPr txBox="1">
             <a:spLocks/>
           </p:cNvSpPr>
@@ -16063,7 +17898,7 @@
         </p:nvSpPr>
         <p:spPr>
           <a:xfrm>
-            <a:off x="1259632" y="1340768"/>
+            <a:off x="5940152" y="936104"/>
             <a:ext cx="2051720" cy="836712"/>
           </a:xfrm>
           <a:prstGeom prst="rect">
@@ -16082,18 +17917,21 @@
             <a:pPr algn="ctr"/>
             <a:r>
               <a:rPr lang="en-US" altLang="ko-KR" sz="3600" dirty="0" smtClean="0">
+                <a:solidFill>
+                  <a:srgbClr val="0070C0"/>
+                </a:solidFill>
                 <a:latin typeface="a옛날목욕탕L" pitchFamily="18" charset="-127"/>
                 <a:ea typeface="a옛날목욕탕L" pitchFamily="18" charset="-127"/>
                 <a:cs typeface="Courier New" pitchFamily="49" charset="0"/>
               </a:rPr>
-              <a:t>Process</a:t>
+              <a:t>Thread</a:t>
             </a:r>
           </a:p>
         </p:txBody>
       </p:sp>
       <p:sp>
         <p:nvSpPr>
-          <p:cNvPr id="10" name="제목 1"/>
+          <p:cNvPr id="11" name="제목 1"/>
           <p:cNvSpPr txBox="1">
             <a:spLocks/>
           </p:cNvSpPr>
@@ -16101,7 +17939,7 @@
         </p:nvSpPr>
         <p:spPr>
           <a:xfrm>
-            <a:off x="5940152" y="1340768"/>
+            <a:off x="3563888" y="936104"/>
             <a:ext cx="2051720" cy="836712"/>
           </a:xfrm>
           <a:prstGeom prst="rect">
@@ -16119,19 +17957,24 @@
           <a:p>
             <a:pPr algn="ctr"/>
             <a:r>
-              <a:rPr lang="en-US" altLang="ko-KR" sz="3600" dirty="0" smtClean="0">
+              <a:rPr lang="en-US" altLang="ko-KR" sz="3600" dirty="0" err="1" smtClean="0">
                 <a:latin typeface="a옛날목욕탕L" pitchFamily="18" charset="-127"/>
                 <a:ea typeface="a옛날목욕탕L" pitchFamily="18" charset="-127"/>
                 <a:cs typeface="Courier New" pitchFamily="49" charset="0"/>
               </a:rPr>
-              <a:t>Thread</a:t>
-            </a:r>
+              <a:t>vs</a:t>
+            </a:r>
+            <a:endParaRPr lang="en-US" altLang="ko-KR" sz="3600" dirty="0" smtClean="0">
+              <a:latin typeface="a옛날목욕탕L" pitchFamily="18" charset="-127"/>
+              <a:ea typeface="a옛날목욕탕L" pitchFamily="18" charset="-127"/>
+              <a:cs typeface="Courier New" pitchFamily="49" charset="0"/>
+            </a:endParaRPr>
           </a:p>
         </p:txBody>
       </p:sp>
       <p:sp>
         <p:nvSpPr>
-          <p:cNvPr id="11" name="제목 1"/>
+          <p:cNvPr id="12" name="제목 1"/>
           <p:cNvSpPr txBox="1">
             <a:spLocks/>
           </p:cNvSpPr>
@@ -16139,8 +17982,8 @@
         </p:nvSpPr>
         <p:spPr>
           <a:xfrm>
-            <a:off x="3563888" y="1340768"/>
-            <a:ext cx="2051720" cy="836712"/>
+            <a:off x="251520" y="2276872"/>
+            <a:ext cx="8640960" cy="1368152"/>
           </a:xfrm>
           <a:prstGeom prst="rect">
             <a:avLst/>
@@ -16155,26 +17998,88 @@
           </a:bodyPr>
           <a:lstStyle/>
           <a:p>
-            <a:pPr algn="ctr"/>
-            <a:r>
-              <a:rPr lang="en-US" altLang="ko-KR" sz="3600" dirty="0" err="1" smtClean="0">
+            <a:r>
+              <a:rPr lang="en-US" altLang="ko-KR" sz="3600" dirty="0" smtClean="0">
+                <a:solidFill>
+                  <a:schemeClr val="accent6">
+                    <a:lumMod val="75000"/>
+                  </a:schemeClr>
+                </a:solidFill>
                 <a:latin typeface="a옛날목욕탕L" pitchFamily="18" charset="-127"/>
                 <a:ea typeface="a옛날목욕탕L" pitchFamily="18" charset="-127"/>
                 <a:cs typeface="Courier New" pitchFamily="49" charset="0"/>
               </a:rPr>
-              <a:t>vs</a:t>
-            </a:r>
-            <a:endParaRPr lang="en-US" altLang="ko-KR" sz="3600" dirty="0" smtClean="0">
+              <a:t>An instance of a computer program that is being executed</a:t>
+            </a:r>
+          </a:p>
+        </p:txBody>
+      </p:sp>
+      <p:sp>
+        <p:nvSpPr>
+          <p:cNvPr id="13" name="제목 1"/>
+          <p:cNvSpPr txBox="1">
+            <a:spLocks/>
+          </p:cNvSpPr>
+          <p:nvPr/>
+        </p:nvSpPr>
+        <p:spPr>
+          <a:xfrm>
+            <a:off x="323528" y="3645024"/>
+            <a:ext cx="8640960" cy="2376264"/>
+          </a:xfrm>
+          <a:prstGeom prst="rect">
+            <a:avLst/>
+          </a:prstGeom>
+          <a:ln w="38100">
+            <a:noFill/>
+          </a:ln>
+        </p:spPr>
+        <p:txBody>
+          <a:bodyPr vert="horz" lIns="91440" tIns="45720" rIns="91440" bIns="45720" rtlCol="0" anchor="ctr">
+            <a:noAutofit/>
+          </a:bodyPr>
+          <a:lstStyle/>
+          <a:p>
+            <a:r>
+              <a:rPr lang="en-US" altLang="ko-KR" sz="2800" dirty="0" smtClean="0">
+                <a:solidFill>
+                  <a:srgbClr val="0070C0"/>
+                </a:solidFill>
+                <a:latin typeface="a옛날목욕탕L" pitchFamily="18" charset="-127"/>
+                <a:ea typeface="a옛날목욕탕L" pitchFamily="18" charset="-127"/>
+                <a:cs typeface="Courier New" pitchFamily="49" charset="0"/>
+              </a:rPr>
+              <a:t>A thread is a lightweight process which exists within a program and is executed to perform a special task. </a:t>
+            </a:r>
+          </a:p>
+          <a:p>
+            <a:endParaRPr lang="en-US" altLang="ko-KR" sz="2800" dirty="0" smtClean="0">
+              <a:solidFill>
+                <a:srgbClr val="0070C0"/>
+              </a:solidFill>
               <a:latin typeface="a옛날목욕탕L" pitchFamily="18" charset="-127"/>
               <a:ea typeface="a옛날목욕탕L" pitchFamily="18" charset="-127"/>
               <a:cs typeface="Courier New" pitchFamily="49" charset="0"/>
             </a:endParaRPr>
           </a:p>
+          <a:p>
+            <a:r>
+              <a:rPr lang="en-US" altLang="ko-KR" sz="2800" dirty="0" smtClean="0">
+                <a:solidFill>
+                  <a:srgbClr val="0070C0"/>
+                </a:solidFill>
+                <a:latin typeface="a옛날목욕탕L" pitchFamily="18" charset="-127"/>
+                <a:ea typeface="a옛날목욕탕L" pitchFamily="18" charset="-127"/>
+                <a:cs typeface="Courier New" pitchFamily="49" charset="0"/>
+              </a:rPr>
+              <a:t>Several threads of execution may be associated with a single process.</a:t>
+            </a:r>
+          </a:p>
         </p:txBody>
       </p:sp>
       <p:sp>
         <p:nvSpPr>
-          <p:cNvPr id="12" name="제목 1"/>
+          <p:cNvPr id="14" name="제목 1"/>
           <p:cNvSpPr txBox="1">
             <a:spLocks/>
           </p:cNvSpPr>
@@ -16182,8 +18087,8 @@
         </p:nvSpPr>
         <p:spPr>
           <a:xfrm>
-            <a:off x="251520" y="2276872"/>
-            <a:ext cx="8640960" cy="1368152"/>
+            <a:off x="0" y="72008"/>
+            <a:ext cx="9144000" cy="836712"/>
           </a:xfrm>
           <a:prstGeom prst="rect">
             <a:avLst/>
@@ -16198,68 +18103,20 @@
           </a:bodyPr>
           <a:lstStyle/>
           <a:p>
+            <a:pPr algn="ctr"/>
             <a:r>
               <a:rPr lang="en-US" altLang="ko-KR" sz="3600" dirty="0" smtClean="0">
                 <a:latin typeface="a옛날목욕탕L" pitchFamily="18" charset="-127"/>
                 <a:ea typeface="a옛날목욕탕L" pitchFamily="18" charset="-127"/>
                 <a:cs typeface="Courier New" pitchFamily="49" charset="0"/>
               </a:rPr>
-              <a:t>An instance of a computer program that is being executed</a:t>
-            </a:r>
-          </a:p>
-        </p:txBody>
-      </p:sp>
-      <p:sp>
-        <p:nvSpPr>
-          <p:cNvPr id="13" name="제목 1"/>
-          <p:cNvSpPr txBox="1">
-            <a:spLocks/>
-          </p:cNvSpPr>
-          <p:nvPr/>
-        </p:nvSpPr>
-        <p:spPr>
-          <a:xfrm>
-            <a:off x="323528" y="3645024"/>
-            <a:ext cx="8640960" cy="2376264"/>
-          </a:xfrm>
-          <a:prstGeom prst="rect">
-            <a:avLst/>
-          </a:prstGeom>
-          <a:ln w="38100">
-            <a:noFill/>
-          </a:ln>
-        </p:spPr>
-        <p:txBody>
-          <a:bodyPr vert="horz" lIns="91440" tIns="45720" rIns="91440" bIns="45720" rtlCol="0" anchor="ctr">
-            <a:noAutofit/>
-          </a:bodyPr>
-          <a:lstStyle/>
-          <a:p>
-            <a:r>
-              <a:rPr lang="en-US" altLang="ko-KR" sz="2800" dirty="0" smtClean="0">
-                <a:latin typeface="a옛날목욕탕L" pitchFamily="18" charset="-127"/>
-                <a:ea typeface="a옛날목욕탕L" pitchFamily="18" charset="-127"/>
-                <a:cs typeface="Courier New" pitchFamily="49" charset="0"/>
-              </a:rPr>
-              <a:t>A thread is a lightweight process which exists within a program and is executed to perform a special task. </a:t>
-            </a:r>
-          </a:p>
-          <a:p>
-            <a:endParaRPr lang="en-US" altLang="ko-KR" sz="2800" dirty="0" smtClean="0">
+              <a:t>A Little about Thread</a:t>
+            </a:r>
+            <a:endParaRPr lang="en-US" altLang="ko-KR" sz="3600" dirty="0" smtClean="0">
               <a:latin typeface="a옛날목욕탕L" pitchFamily="18" charset="-127"/>
               <a:ea typeface="a옛날목욕탕L" pitchFamily="18" charset="-127"/>
               <a:cs typeface="Courier New" pitchFamily="49" charset="0"/>
             </a:endParaRPr>
-          </a:p>
-          <a:p>
-            <a:r>
-              <a:rPr lang="en-US" altLang="ko-KR" sz="2800" dirty="0" smtClean="0">
-                <a:latin typeface="a옛날목욕탕L" pitchFamily="18" charset="-127"/>
-                <a:ea typeface="a옛날목욕탕L" pitchFamily="18" charset="-127"/>
-                <a:cs typeface="Courier New" pitchFamily="49" charset="0"/>
-              </a:rPr>
-              <a:t>Several threads of execution may be associated with a single process.</a:t>
-            </a:r>
           </a:p>
         </p:txBody>
       </p:sp>
